--- a/images/IdeDescription.pptx
+++ b/images/IdeDescription.pptx
@@ -134,7 +134,7 @@
           <p:cNvPr id="2" name="Title 1">
             <a:extLst>
               <a:ext uri="{FF2B5EF4-FFF2-40B4-BE49-F238E27FC236}">
-                <a16:creationId xmlns:a16="http://schemas.microsoft.com/office/drawing/2014/main" id="{BE6C20F1-8B08-4958-A0A2-8163AF72845F}"/>
+                <a16:creationId xmlns:a16="http://schemas.microsoft.com/office/drawing/2014/main" xmlns="" id="{BE6C20F1-8B08-4958-A0A2-8163AF72845F}"/>
               </a:ext>
             </a:extLst>
           </p:cNvPr>
@@ -172,7 +172,7 @@
           <p:cNvPr id="3" name="Subtitle 2">
             <a:extLst>
               <a:ext uri="{FF2B5EF4-FFF2-40B4-BE49-F238E27FC236}">
-                <a16:creationId xmlns:a16="http://schemas.microsoft.com/office/drawing/2014/main" id="{03A7334B-E58B-4A36-ACC3-C146D2969093}"/>
+                <a16:creationId xmlns:a16="http://schemas.microsoft.com/office/drawing/2014/main" xmlns="" id="{03A7334B-E58B-4A36-ACC3-C146D2969093}"/>
               </a:ext>
             </a:extLst>
           </p:cNvPr>
@@ -243,7 +243,7 @@
           <p:cNvPr id="4" name="Date Placeholder 3">
             <a:extLst>
               <a:ext uri="{FF2B5EF4-FFF2-40B4-BE49-F238E27FC236}">
-                <a16:creationId xmlns:a16="http://schemas.microsoft.com/office/drawing/2014/main" id="{D9CC83BB-9D6F-41E9-8379-742894D2CCE1}"/>
+                <a16:creationId xmlns:a16="http://schemas.microsoft.com/office/drawing/2014/main" xmlns="" id="{D9CC83BB-9D6F-41E9-8379-742894D2CCE1}"/>
               </a:ext>
             </a:extLst>
           </p:cNvPr>
@@ -261,7 +261,7 @@
           <a:p>
             <a:fld id="{D45E1CC4-4A64-4A22-87DA-941B055B68EA}" type="datetimeFigureOut">
               <a:rPr kumimoji="1" lang="ja-JP" altLang="en-US" smtClean="0"/>
-              <a:t>2018/12/5</a:t>
+              <a:t>2019/1/13</a:t>
             </a:fld>
             <a:endParaRPr kumimoji="1" lang="ja-JP" altLang="en-US"/>
           </a:p>
@@ -272,7 +272,7 @@
           <p:cNvPr id="5" name="Footer Placeholder 4">
             <a:extLst>
               <a:ext uri="{FF2B5EF4-FFF2-40B4-BE49-F238E27FC236}">
-                <a16:creationId xmlns:a16="http://schemas.microsoft.com/office/drawing/2014/main" id="{38D7B118-D516-4CD7-99F6-D301FA0CEAF1}"/>
+                <a16:creationId xmlns:a16="http://schemas.microsoft.com/office/drawing/2014/main" xmlns="" id="{38D7B118-D516-4CD7-99F6-D301FA0CEAF1}"/>
               </a:ext>
             </a:extLst>
           </p:cNvPr>
@@ -297,7 +297,7 @@
           <p:cNvPr id="6" name="Slide Number Placeholder 5">
             <a:extLst>
               <a:ext uri="{FF2B5EF4-FFF2-40B4-BE49-F238E27FC236}">
-                <a16:creationId xmlns:a16="http://schemas.microsoft.com/office/drawing/2014/main" id="{AC2B6E2E-685E-410B-B8D4-0130B7A9B815}"/>
+                <a16:creationId xmlns:a16="http://schemas.microsoft.com/office/drawing/2014/main" xmlns="" id="{AC2B6E2E-685E-410B-B8D4-0130B7A9B815}"/>
               </a:ext>
             </a:extLst>
           </p:cNvPr>
@@ -356,7 +356,7 @@
           <p:cNvPr id="2" name="Title 1">
             <a:extLst>
               <a:ext uri="{FF2B5EF4-FFF2-40B4-BE49-F238E27FC236}">
-                <a16:creationId xmlns:a16="http://schemas.microsoft.com/office/drawing/2014/main" id="{138A5ABA-3959-45D1-8139-1FF4FF47130B}"/>
+                <a16:creationId xmlns:a16="http://schemas.microsoft.com/office/drawing/2014/main" xmlns="" id="{138A5ABA-3959-45D1-8139-1FF4FF47130B}"/>
               </a:ext>
             </a:extLst>
           </p:cNvPr>
@@ -385,7 +385,7 @@
           <p:cNvPr id="3" name="Vertical Text Placeholder 2">
             <a:extLst>
               <a:ext uri="{FF2B5EF4-FFF2-40B4-BE49-F238E27FC236}">
-                <a16:creationId xmlns:a16="http://schemas.microsoft.com/office/drawing/2014/main" id="{23A8F88D-0456-4F67-8A54-83DC72EA19EC}"/>
+                <a16:creationId xmlns:a16="http://schemas.microsoft.com/office/drawing/2014/main" xmlns="" id="{23A8F88D-0456-4F67-8A54-83DC72EA19EC}"/>
               </a:ext>
             </a:extLst>
           </p:cNvPr>
@@ -443,7 +443,7 @@
           <p:cNvPr id="4" name="Date Placeholder 3">
             <a:extLst>
               <a:ext uri="{FF2B5EF4-FFF2-40B4-BE49-F238E27FC236}">
-                <a16:creationId xmlns:a16="http://schemas.microsoft.com/office/drawing/2014/main" id="{CD9A7D89-ED88-4340-980D-B1190EAD42D5}"/>
+                <a16:creationId xmlns:a16="http://schemas.microsoft.com/office/drawing/2014/main" xmlns="" id="{CD9A7D89-ED88-4340-980D-B1190EAD42D5}"/>
               </a:ext>
             </a:extLst>
           </p:cNvPr>
@@ -461,7 +461,7 @@
           <a:p>
             <a:fld id="{D45E1CC4-4A64-4A22-87DA-941B055B68EA}" type="datetimeFigureOut">
               <a:rPr kumimoji="1" lang="ja-JP" altLang="en-US" smtClean="0"/>
-              <a:t>2018/12/5</a:t>
+              <a:t>2019/1/13</a:t>
             </a:fld>
             <a:endParaRPr kumimoji="1" lang="ja-JP" altLang="en-US"/>
           </a:p>
@@ -472,7 +472,7 @@
           <p:cNvPr id="5" name="Footer Placeholder 4">
             <a:extLst>
               <a:ext uri="{FF2B5EF4-FFF2-40B4-BE49-F238E27FC236}">
-                <a16:creationId xmlns:a16="http://schemas.microsoft.com/office/drawing/2014/main" id="{E97FB387-33C2-40DF-AECA-53559651E071}"/>
+                <a16:creationId xmlns:a16="http://schemas.microsoft.com/office/drawing/2014/main" xmlns="" id="{E97FB387-33C2-40DF-AECA-53559651E071}"/>
               </a:ext>
             </a:extLst>
           </p:cNvPr>
@@ -497,7 +497,7 @@
           <p:cNvPr id="6" name="Slide Number Placeholder 5">
             <a:extLst>
               <a:ext uri="{FF2B5EF4-FFF2-40B4-BE49-F238E27FC236}">
-                <a16:creationId xmlns:a16="http://schemas.microsoft.com/office/drawing/2014/main" id="{2DD6EED4-4991-44D6-8BC9-14FCFCEDA817}"/>
+                <a16:creationId xmlns:a16="http://schemas.microsoft.com/office/drawing/2014/main" xmlns="" id="{2DD6EED4-4991-44D6-8BC9-14FCFCEDA817}"/>
               </a:ext>
             </a:extLst>
           </p:cNvPr>
@@ -556,7 +556,7 @@
           <p:cNvPr id="2" name="Vertical Title 1">
             <a:extLst>
               <a:ext uri="{FF2B5EF4-FFF2-40B4-BE49-F238E27FC236}">
-                <a16:creationId xmlns:a16="http://schemas.microsoft.com/office/drawing/2014/main" id="{22B1E6D8-8CC4-4287-A509-235807801D72}"/>
+                <a16:creationId xmlns:a16="http://schemas.microsoft.com/office/drawing/2014/main" xmlns="" id="{22B1E6D8-8CC4-4287-A509-235807801D72}"/>
               </a:ext>
             </a:extLst>
           </p:cNvPr>
@@ -590,7 +590,7 @@
           <p:cNvPr id="3" name="Vertical Text Placeholder 2">
             <a:extLst>
               <a:ext uri="{FF2B5EF4-FFF2-40B4-BE49-F238E27FC236}">
-                <a16:creationId xmlns:a16="http://schemas.microsoft.com/office/drawing/2014/main" id="{C5B2CE03-FDC1-4E86-9D31-23AB6E56633B}"/>
+                <a16:creationId xmlns:a16="http://schemas.microsoft.com/office/drawing/2014/main" xmlns="" id="{C5B2CE03-FDC1-4E86-9D31-23AB6E56633B}"/>
               </a:ext>
             </a:extLst>
           </p:cNvPr>
@@ -653,7 +653,7 @@
           <p:cNvPr id="4" name="Date Placeholder 3">
             <a:extLst>
               <a:ext uri="{FF2B5EF4-FFF2-40B4-BE49-F238E27FC236}">
-                <a16:creationId xmlns:a16="http://schemas.microsoft.com/office/drawing/2014/main" id="{C26276A0-A92B-4A9D-BC89-EF374EC776A2}"/>
+                <a16:creationId xmlns:a16="http://schemas.microsoft.com/office/drawing/2014/main" xmlns="" id="{C26276A0-A92B-4A9D-BC89-EF374EC776A2}"/>
               </a:ext>
             </a:extLst>
           </p:cNvPr>
@@ -671,7 +671,7 @@
           <a:p>
             <a:fld id="{D45E1CC4-4A64-4A22-87DA-941B055B68EA}" type="datetimeFigureOut">
               <a:rPr kumimoji="1" lang="ja-JP" altLang="en-US" smtClean="0"/>
-              <a:t>2018/12/5</a:t>
+              <a:t>2019/1/13</a:t>
             </a:fld>
             <a:endParaRPr kumimoji="1" lang="ja-JP" altLang="en-US"/>
           </a:p>
@@ -682,7 +682,7 @@
           <p:cNvPr id="5" name="Footer Placeholder 4">
             <a:extLst>
               <a:ext uri="{FF2B5EF4-FFF2-40B4-BE49-F238E27FC236}">
-                <a16:creationId xmlns:a16="http://schemas.microsoft.com/office/drawing/2014/main" id="{C3343078-482D-4C21-8710-0AD0BEE0694A}"/>
+                <a16:creationId xmlns:a16="http://schemas.microsoft.com/office/drawing/2014/main" xmlns="" id="{C3343078-482D-4C21-8710-0AD0BEE0694A}"/>
               </a:ext>
             </a:extLst>
           </p:cNvPr>
@@ -707,7 +707,7 @@
           <p:cNvPr id="6" name="Slide Number Placeholder 5">
             <a:extLst>
               <a:ext uri="{FF2B5EF4-FFF2-40B4-BE49-F238E27FC236}">
-                <a16:creationId xmlns:a16="http://schemas.microsoft.com/office/drawing/2014/main" id="{6EB49DF5-FD9C-4D81-93C5-640E6B39CEA5}"/>
+                <a16:creationId xmlns:a16="http://schemas.microsoft.com/office/drawing/2014/main" xmlns="" id="{6EB49DF5-FD9C-4D81-93C5-640E6B39CEA5}"/>
               </a:ext>
             </a:extLst>
           </p:cNvPr>
@@ -766,7 +766,7 @@
           <p:cNvPr id="2" name="Title 1">
             <a:extLst>
               <a:ext uri="{FF2B5EF4-FFF2-40B4-BE49-F238E27FC236}">
-                <a16:creationId xmlns:a16="http://schemas.microsoft.com/office/drawing/2014/main" id="{BC70E6F1-3231-400A-A22B-01FB6155FBFC}"/>
+                <a16:creationId xmlns:a16="http://schemas.microsoft.com/office/drawing/2014/main" xmlns="" id="{BC70E6F1-3231-400A-A22B-01FB6155FBFC}"/>
               </a:ext>
             </a:extLst>
           </p:cNvPr>
@@ -795,7 +795,7 @@
           <p:cNvPr id="3" name="Content Placeholder 2">
             <a:extLst>
               <a:ext uri="{FF2B5EF4-FFF2-40B4-BE49-F238E27FC236}">
-                <a16:creationId xmlns:a16="http://schemas.microsoft.com/office/drawing/2014/main" id="{C933AEB9-025A-4EEE-9C3C-71E858B3C252}"/>
+                <a16:creationId xmlns:a16="http://schemas.microsoft.com/office/drawing/2014/main" xmlns="" id="{C933AEB9-025A-4EEE-9C3C-71E858B3C252}"/>
               </a:ext>
             </a:extLst>
           </p:cNvPr>
@@ -853,7 +853,7 @@
           <p:cNvPr id="4" name="Date Placeholder 3">
             <a:extLst>
               <a:ext uri="{FF2B5EF4-FFF2-40B4-BE49-F238E27FC236}">
-                <a16:creationId xmlns:a16="http://schemas.microsoft.com/office/drawing/2014/main" id="{26F8D96C-C201-4B2E-B178-E65A2FF2AF28}"/>
+                <a16:creationId xmlns:a16="http://schemas.microsoft.com/office/drawing/2014/main" xmlns="" id="{26F8D96C-C201-4B2E-B178-E65A2FF2AF28}"/>
               </a:ext>
             </a:extLst>
           </p:cNvPr>
@@ -871,7 +871,7 @@
           <a:p>
             <a:fld id="{D45E1CC4-4A64-4A22-87DA-941B055B68EA}" type="datetimeFigureOut">
               <a:rPr kumimoji="1" lang="ja-JP" altLang="en-US" smtClean="0"/>
-              <a:t>2018/12/5</a:t>
+              <a:t>2019/1/13</a:t>
             </a:fld>
             <a:endParaRPr kumimoji="1" lang="ja-JP" altLang="en-US"/>
           </a:p>
@@ -882,7 +882,7 @@
           <p:cNvPr id="5" name="Footer Placeholder 4">
             <a:extLst>
               <a:ext uri="{FF2B5EF4-FFF2-40B4-BE49-F238E27FC236}">
-                <a16:creationId xmlns:a16="http://schemas.microsoft.com/office/drawing/2014/main" id="{47A92B89-5999-4AB6-9866-31883E7FF3A8}"/>
+                <a16:creationId xmlns:a16="http://schemas.microsoft.com/office/drawing/2014/main" xmlns="" id="{47A92B89-5999-4AB6-9866-31883E7FF3A8}"/>
               </a:ext>
             </a:extLst>
           </p:cNvPr>
@@ -907,7 +907,7 @@
           <p:cNvPr id="6" name="Slide Number Placeholder 5">
             <a:extLst>
               <a:ext uri="{FF2B5EF4-FFF2-40B4-BE49-F238E27FC236}">
-                <a16:creationId xmlns:a16="http://schemas.microsoft.com/office/drawing/2014/main" id="{CF96D225-D862-4FFA-8F17-7C3B5F9C4227}"/>
+                <a16:creationId xmlns:a16="http://schemas.microsoft.com/office/drawing/2014/main" xmlns="" id="{CF96D225-D862-4FFA-8F17-7C3B5F9C4227}"/>
               </a:ext>
             </a:extLst>
           </p:cNvPr>
@@ -966,7 +966,7 @@
           <p:cNvPr id="2" name="Title 1">
             <a:extLst>
               <a:ext uri="{FF2B5EF4-FFF2-40B4-BE49-F238E27FC236}">
-                <a16:creationId xmlns:a16="http://schemas.microsoft.com/office/drawing/2014/main" id="{F7B8100B-0F28-40FD-9866-38FF0939CAAD}"/>
+                <a16:creationId xmlns:a16="http://schemas.microsoft.com/office/drawing/2014/main" xmlns="" id="{F7B8100B-0F28-40FD-9866-38FF0939CAAD}"/>
               </a:ext>
             </a:extLst>
           </p:cNvPr>
@@ -1004,7 +1004,7 @@
           <p:cNvPr id="3" name="Text Placeholder 2">
             <a:extLst>
               <a:ext uri="{FF2B5EF4-FFF2-40B4-BE49-F238E27FC236}">
-                <a16:creationId xmlns:a16="http://schemas.microsoft.com/office/drawing/2014/main" id="{99DF08DE-D2FC-4769-8DF1-755C8C361DE0}"/>
+                <a16:creationId xmlns:a16="http://schemas.microsoft.com/office/drawing/2014/main" xmlns="" id="{99DF08DE-D2FC-4769-8DF1-755C8C361DE0}"/>
               </a:ext>
             </a:extLst>
           </p:cNvPr>
@@ -1129,7 +1129,7 @@
           <p:cNvPr id="4" name="Date Placeholder 3">
             <a:extLst>
               <a:ext uri="{FF2B5EF4-FFF2-40B4-BE49-F238E27FC236}">
-                <a16:creationId xmlns:a16="http://schemas.microsoft.com/office/drawing/2014/main" id="{950586BF-00B3-4DED-977D-5ABAE85D4431}"/>
+                <a16:creationId xmlns:a16="http://schemas.microsoft.com/office/drawing/2014/main" xmlns="" id="{950586BF-00B3-4DED-977D-5ABAE85D4431}"/>
               </a:ext>
             </a:extLst>
           </p:cNvPr>
@@ -1147,7 +1147,7 @@
           <a:p>
             <a:fld id="{D45E1CC4-4A64-4A22-87DA-941B055B68EA}" type="datetimeFigureOut">
               <a:rPr kumimoji="1" lang="ja-JP" altLang="en-US" smtClean="0"/>
-              <a:t>2018/12/5</a:t>
+              <a:t>2019/1/13</a:t>
             </a:fld>
             <a:endParaRPr kumimoji="1" lang="ja-JP" altLang="en-US"/>
           </a:p>
@@ -1158,7 +1158,7 @@
           <p:cNvPr id="5" name="Footer Placeholder 4">
             <a:extLst>
               <a:ext uri="{FF2B5EF4-FFF2-40B4-BE49-F238E27FC236}">
-                <a16:creationId xmlns:a16="http://schemas.microsoft.com/office/drawing/2014/main" id="{6B427EC4-5EE5-40DD-B1A4-9E77CFA85B04}"/>
+                <a16:creationId xmlns:a16="http://schemas.microsoft.com/office/drawing/2014/main" xmlns="" id="{6B427EC4-5EE5-40DD-B1A4-9E77CFA85B04}"/>
               </a:ext>
             </a:extLst>
           </p:cNvPr>
@@ -1183,7 +1183,7 @@
           <p:cNvPr id="6" name="Slide Number Placeholder 5">
             <a:extLst>
               <a:ext uri="{FF2B5EF4-FFF2-40B4-BE49-F238E27FC236}">
-                <a16:creationId xmlns:a16="http://schemas.microsoft.com/office/drawing/2014/main" id="{20E85855-AC27-476B-85B5-2BAA7FBB5E14}"/>
+                <a16:creationId xmlns:a16="http://schemas.microsoft.com/office/drawing/2014/main" xmlns="" id="{20E85855-AC27-476B-85B5-2BAA7FBB5E14}"/>
               </a:ext>
             </a:extLst>
           </p:cNvPr>
@@ -1242,7 +1242,7 @@
           <p:cNvPr id="2" name="Title 1">
             <a:extLst>
               <a:ext uri="{FF2B5EF4-FFF2-40B4-BE49-F238E27FC236}">
-                <a16:creationId xmlns:a16="http://schemas.microsoft.com/office/drawing/2014/main" id="{EB31F3BE-6E37-405E-92F5-AE1382DE6EB2}"/>
+                <a16:creationId xmlns:a16="http://schemas.microsoft.com/office/drawing/2014/main" xmlns="" id="{EB31F3BE-6E37-405E-92F5-AE1382DE6EB2}"/>
               </a:ext>
             </a:extLst>
           </p:cNvPr>
@@ -1271,7 +1271,7 @@
           <p:cNvPr id="3" name="Content Placeholder 2">
             <a:extLst>
               <a:ext uri="{FF2B5EF4-FFF2-40B4-BE49-F238E27FC236}">
-                <a16:creationId xmlns:a16="http://schemas.microsoft.com/office/drawing/2014/main" id="{D1764D22-B846-4643-98F6-420C68F39C03}"/>
+                <a16:creationId xmlns:a16="http://schemas.microsoft.com/office/drawing/2014/main" xmlns="" id="{D1764D22-B846-4643-98F6-420C68F39C03}"/>
               </a:ext>
             </a:extLst>
           </p:cNvPr>
@@ -1334,7 +1334,7 @@
           <p:cNvPr id="4" name="Content Placeholder 3">
             <a:extLst>
               <a:ext uri="{FF2B5EF4-FFF2-40B4-BE49-F238E27FC236}">
-                <a16:creationId xmlns:a16="http://schemas.microsoft.com/office/drawing/2014/main" id="{22398217-3C2A-44D6-B06E-B17E563016AF}"/>
+                <a16:creationId xmlns:a16="http://schemas.microsoft.com/office/drawing/2014/main" xmlns="" id="{22398217-3C2A-44D6-B06E-B17E563016AF}"/>
               </a:ext>
             </a:extLst>
           </p:cNvPr>
@@ -1397,7 +1397,7 @@
           <p:cNvPr id="5" name="Date Placeholder 4">
             <a:extLst>
               <a:ext uri="{FF2B5EF4-FFF2-40B4-BE49-F238E27FC236}">
-                <a16:creationId xmlns:a16="http://schemas.microsoft.com/office/drawing/2014/main" id="{0A658F5B-F7A2-4CBF-9AE5-A32769208BBB}"/>
+                <a16:creationId xmlns:a16="http://schemas.microsoft.com/office/drawing/2014/main" xmlns="" id="{0A658F5B-F7A2-4CBF-9AE5-A32769208BBB}"/>
               </a:ext>
             </a:extLst>
           </p:cNvPr>
@@ -1415,7 +1415,7 @@
           <a:p>
             <a:fld id="{D45E1CC4-4A64-4A22-87DA-941B055B68EA}" type="datetimeFigureOut">
               <a:rPr kumimoji="1" lang="ja-JP" altLang="en-US" smtClean="0"/>
-              <a:t>2018/12/5</a:t>
+              <a:t>2019/1/13</a:t>
             </a:fld>
             <a:endParaRPr kumimoji="1" lang="ja-JP" altLang="en-US"/>
           </a:p>
@@ -1426,7 +1426,7 @@
           <p:cNvPr id="6" name="Footer Placeholder 5">
             <a:extLst>
               <a:ext uri="{FF2B5EF4-FFF2-40B4-BE49-F238E27FC236}">
-                <a16:creationId xmlns:a16="http://schemas.microsoft.com/office/drawing/2014/main" id="{FDE7C7D9-CE14-4B09-8BB0-E850C171F3DE}"/>
+                <a16:creationId xmlns:a16="http://schemas.microsoft.com/office/drawing/2014/main" xmlns="" id="{FDE7C7D9-CE14-4B09-8BB0-E850C171F3DE}"/>
               </a:ext>
             </a:extLst>
           </p:cNvPr>
@@ -1451,7 +1451,7 @@
           <p:cNvPr id="7" name="Slide Number Placeholder 6">
             <a:extLst>
               <a:ext uri="{FF2B5EF4-FFF2-40B4-BE49-F238E27FC236}">
-                <a16:creationId xmlns:a16="http://schemas.microsoft.com/office/drawing/2014/main" id="{CF644957-DCA5-4949-BD11-7A5B49B4AB70}"/>
+                <a16:creationId xmlns:a16="http://schemas.microsoft.com/office/drawing/2014/main" xmlns="" id="{CF644957-DCA5-4949-BD11-7A5B49B4AB70}"/>
               </a:ext>
             </a:extLst>
           </p:cNvPr>
@@ -1510,7 +1510,7 @@
           <p:cNvPr id="2" name="Title 1">
             <a:extLst>
               <a:ext uri="{FF2B5EF4-FFF2-40B4-BE49-F238E27FC236}">
-                <a16:creationId xmlns:a16="http://schemas.microsoft.com/office/drawing/2014/main" id="{AF233C08-0DEE-47F1-AC51-894B6F906E0D}"/>
+                <a16:creationId xmlns:a16="http://schemas.microsoft.com/office/drawing/2014/main" xmlns="" id="{AF233C08-0DEE-47F1-AC51-894B6F906E0D}"/>
               </a:ext>
             </a:extLst>
           </p:cNvPr>
@@ -1544,7 +1544,7 @@
           <p:cNvPr id="3" name="Text Placeholder 2">
             <a:extLst>
               <a:ext uri="{FF2B5EF4-FFF2-40B4-BE49-F238E27FC236}">
-                <a16:creationId xmlns:a16="http://schemas.microsoft.com/office/drawing/2014/main" id="{EDF4B6C4-39C2-4E61-A6A4-327E3339575B}"/>
+                <a16:creationId xmlns:a16="http://schemas.microsoft.com/office/drawing/2014/main" xmlns="" id="{EDF4B6C4-39C2-4E61-A6A4-327E3339575B}"/>
               </a:ext>
             </a:extLst>
           </p:cNvPr>
@@ -1615,7 +1615,7 @@
           <p:cNvPr id="4" name="Content Placeholder 3">
             <a:extLst>
               <a:ext uri="{FF2B5EF4-FFF2-40B4-BE49-F238E27FC236}">
-                <a16:creationId xmlns:a16="http://schemas.microsoft.com/office/drawing/2014/main" id="{8D7598E7-3E81-4CA1-B214-BADD705B0A36}"/>
+                <a16:creationId xmlns:a16="http://schemas.microsoft.com/office/drawing/2014/main" xmlns="" id="{8D7598E7-3E81-4CA1-B214-BADD705B0A36}"/>
               </a:ext>
             </a:extLst>
           </p:cNvPr>
@@ -1678,7 +1678,7 @@
           <p:cNvPr id="5" name="Text Placeholder 4">
             <a:extLst>
               <a:ext uri="{FF2B5EF4-FFF2-40B4-BE49-F238E27FC236}">
-                <a16:creationId xmlns:a16="http://schemas.microsoft.com/office/drawing/2014/main" id="{E58090D5-D1C3-41E5-80BB-DB1231A2F578}"/>
+                <a16:creationId xmlns:a16="http://schemas.microsoft.com/office/drawing/2014/main" xmlns="" id="{E58090D5-D1C3-41E5-80BB-DB1231A2F578}"/>
               </a:ext>
             </a:extLst>
           </p:cNvPr>
@@ -1749,7 +1749,7 @@
           <p:cNvPr id="6" name="Content Placeholder 5">
             <a:extLst>
               <a:ext uri="{FF2B5EF4-FFF2-40B4-BE49-F238E27FC236}">
-                <a16:creationId xmlns:a16="http://schemas.microsoft.com/office/drawing/2014/main" id="{59D508F3-98FF-4DB6-AEAB-02E510864293}"/>
+                <a16:creationId xmlns:a16="http://schemas.microsoft.com/office/drawing/2014/main" xmlns="" id="{59D508F3-98FF-4DB6-AEAB-02E510864293}"/>
               </a:ext>
             </a:extLst>
           </p:cNvPr>
@@ -1812,7 +1812,7 @@
           <p:cNvPr id="7" name="Date Placeholder 6">
             <a:extLst>
               <a:ext uri="{FF2B5EF4-FFF2-40B4-BE49-F238E27FC236}">
-                <a16:creationId xmlns:a16="http://schemas.microsoft.com/office/drawing/2014/main" id="{103868AD-2D17-4370-8214-041D24C6E9DE}"/>
+                <a16:creationId xmlns:a16="http://schemas.microsoft.com/office/drawing/2014/main" xmlns="" id="{103868AD-2D17-4370-8214-041D24C6E9DE}"/>
               </a:ext>
             </a:extLst>
           </p:cNvPr>
@@ -1830,7 +1830,7 @@
           <a:p>
             <a:fld id="{D45E1CC4-4A64-4A22-87DA-941B055B68EA}" type="datetimeFigureOut">
               <a:rPr kumimoji="1" lang="ja-JP" altLang="en-US" smtClean="0"/>
-              <a:t>2018/12/5</a:t>
+              <a:t>2019/1/13</a:t>
             </a:fld>
             <a:endParaRPr kumimoji="1" lang="ja-JP" altLang="en-US"/>
           </a:p>
@@ -1841,7 +1841,7 @@
           <p:cNvPr id="8" name="Footer Placeholder 7">
             <a:extLst>
               <a:ext uri="{FF2B5EF4-FFF2-40B4-BE49-F238E27FC236}">
-                <a16:creationId xmlns:a16="http://schemas.microsoft.com/office/drawing/2014/main" id="{494D4438-5319-4B94-ABE7-C89CB62BDC41}"/>
+                <a16:creationId xmlns:a16="http://schemas.microsoft.com/office/drawing/2014/main" xmlns="" id="{494D4438-5319-4B94-ABE7-C89CB62BDC41}"/>
               </a:ext>
             </a:extLst>
           </p:cNvPr>
@@ -1866,7 +1866,7 @@
           <p:cNvPr id="9" name="Slide Number Placeholder 8">
             <a:extLst>
               <a:ext uri="{FF2B5EF4-FFF2-40B4-BE49-F238E27FC236}">
-                <a16:creationId xmlns:a16="http://schemas.microsoft.com/office/drawing/2014/main" id="{D3EAEA27-74C1-4479-A6C7-FB68EF8D268F}"/>
+                <a16:creationId xmlns:a16="http://schemas.microsoft.com/office/drawing/2014/main" xmlns="" id="{D3EAEA27-74C1-4479-A6C7-FB68EF8D268F}"/>
               </a:ext>
             </a:extLst>
           </p:cNvPr>
@@ -1925,7 +1925,7 @@
           <p:cNvPr id="2" name="Title 1">
             <a:extLst>
               <a:ext uri="{FF2B5EF4-FFF2-40B4-BE49-F238E27FC236}">
-                <a16:creationId xmlns:a16="http://schemas.microsoft.com/office/drawing/2014/main" id="{3A238863-580A-4EE2-B7E1-DA49FDAC66A5}"/>
+                <a16:creationId xmlns:a16="http://schemas.microsoft.com/office/drawing/2014/main" xmlns="" id="{3A238863-580A-4EE2-B7E1-DA49FDAC66A5}"/>
               </a:ext>
             </a:extLst>
           </p:cNvPr>
@@ -1954,7 +1954,7 @@
           <p:cNvPr id="3" name="Date Placeholder 2">
             <a:extLst>
               <a:ext uri="{FF2B5EF4-FFF2-40B4-BE49-F238E27FC236}">
-                <a16:creationId xmlns:a16="http://schemas.microsoft.com/office/drawing/2014/main" id="{3358B667-BC1E-4230-BD4A-5ADD09E221E2}"/>
+                <a16:creationId xmlns:a16="http://schemas.microsoft.com/office/drawing/2014/main" xmlns="" id="{3358B667-BC1E-4230-BD4A-5ADD09E221E2}"/>
               </a:ext>
             </a:extLst>
           </p:cNvPr>
@@ -1972,7 +1972,7 @@
           <a:p>
             <a:fld id="{D45E1CC4-4A64-4A22-87DA-941B055B68EA}" type="datetimeFigureOut">
               <a:rPr kumimoji="1" lang="ja-JP" altLang="en-US" smtClean="0"/>
-              <a:t>2018/12/5</a:t>
+              <a:t>2019/1/13</a:t>
             </a:fld>
             <a:endParaRPr kumimoji="1" lang="ja-JP" altLang="en-US"/>
           </a:p>
@@ -1983,7 +1983,7 @@
           <p:cNvPr id="4" name="Footer Placeholder 3">
             <a:extLst>
               <a:ext uri="{FF2B5EF4-FFF2-40B4-BE49-F238E27FC236}">
-                <a16:creationId xmlns:a16="http://schemas.microsoft.com/office/drawing/2014/main" id="{DD10091A-A07C-43DB-981C-1FE8C4259EFC}"/>
+                <a16:creationId xmlns:a16="http://schemas.microsoft.com/office/drawing/2014/main" xmlns="" id="{DD10091A-A07C-43DB-981C-1FE8C4259EFC}"/>
               </a:ext>
             </a:extLst>
           </p:cNvPr>
@@ -2008,7 +2008,7 @@
           <p:cNvPr id="5" name="Slide Number Placeholder 4">
             <a:extLst>
               <a:ext uri="{FF2B5EF4-FFF2-40B4-BE49-F238E27FC236}">
-                <a16:creationId xmlns:a16="http://schemas.microsoft.com/office/drawing/2014/main" id="{D68F7D12-6F1B-40A8-8F06-49116A2762B5}"/>
+                <a16:creationId xmlns:a16="http://schemas.microsoft.com/office/drawing/2014/main" xmlns="" id="{D68F7D12-6F1B-40A8-8F06-49116A2762B5}"/>
               </a:ext>
             </a:extLst>
           </p:cNvPr>
@@ -2067,7 +2067,7 @@
           <p:cNvPr id="2" name="Date Placeholder 1">
             <a:extLst>
               <a:ext uri="{FF2B5EF4-FFF2-40B4-BE49-F238E27FC236}">
-                <a16:creationId xmlns:a16="http://schemas.microsoft.com/office/drawing/2014/main" id="{BB21999D-AA4D-4A38-858F-1BFA80CCE0FE}"/>
+                <a16:creationId xmlns:a16="http://schemas.microsoft.com/office/drawing/2014/main" xmlns="" id="{BB21999D-AA4D-4A38-858F-1BFA80CCE0FE}"/>
               </a:ext>
             </a:extLst>
           </p:cNvPr>
@@ -2085,7 +2085,7 @@
           <a:p>
             <a:fld id="{D45E1CC4-4A64-4A22-87DA-941B055B68EA}" type="datetimeFigureOut">
               <a:rPr kumimoji="1" lang="ja-JP" altLang="en-US" smtClean="0"/>
-              <a:t>2018/12/5</a:t>
+              <a:t>2019/1/13</a:t>
             </a:fld>
             <a:endParaRPr kumimoji="1" lang="ja-JP" altLang="en-US"/>
           </a:p>
@@ -2096,7 +2096,7 @@
           <p:cNvPr id="3" name="Footer Placeholder 2">
             <a:extLst>
               <a:ext uri="{FF2B5EF4-FFF2-40B4-BE49-F238E27FC236}">
-                <a16:creationId xmlns:a16="http://schemas.microsoft.com/office/drawing/2014/main" id="{A3A751D5-914D-451D-950F-465739AF3B97}"/>
+                <a16:creationId xmlns:a16="http://schemas.microsoft.com/office/drawing/2014/main" xmlns="" id="{A3A751D5-914D-451D-950F-465739AF3B97}"/>
               </a:ext>
             </a:extLst>
           </p:cNvPr>
@@ -2121,7 +2121,7 @@
           <p:cNvPr id="4" name="Slide Number Placeholder 3">
             <a:extLst>
               <a:ext uri="{FF2B5EF4-FFF2-40B4-BE49-F238E27FC236}">
-                <a16:creationId xmlns:a16="http://schemas.microsoft.com/office/drawing/2014/main" id="{7D6C45AD-7E1B-497E-ABFA-5A1FF1177BFD}"/>
+                <a16:creationId xmlns:a16="http://schemas.microsoft.com/office/drawing/2014/main" xmlns="" id="{7D6C45AD-7E1B-497E-ABFA-5A1FF1177BFD}"/>
               </a:ext>
             </a:extLst>
           </p:cNvPr>
@@ -2180,7 +2180,7 @@
           <p:cNvPr id="2" name="Title 1">
             <a:extLst>
               <a:ext uri="{FF2B5EF4-FFF2-40B4-BE49-F238E27FC236}">
-                <a16:creationId xmlns:a16="http://schemas.microsoft.com/office/drawing/2014/main" id="{83913324-DBE3-4525-AA9E-8A79FAE8D925}"/>
+                <a16:creationId xmlns:a16="http://schemas.microsoft.com/office/drawing/2014/main" xmlns="" id="{83913324-DBE3-4525-AA9E-8A79FAE8D925}"/>
               </a:ext>
             </a:extLst>
           </p:cNvPr>
@@ -2218,7 +2218,7 @@
           <p:cNvPr id="3" name="Content Placeholder 2">
             <a:extLst>
               <a:ext uri="{FF2B5EF4-FFF2-40B4-BE49-F238E27FC236}">
-                <a16:creationId xmlns:a16="http://schemas.microsoft.com/office/drawing/2014/main" id="{73CF3333-F2C5-40FD-ABD8-ECBA55B18A52}"/>
+                <a16:creationId xmlns:a16="http://schemas.microsoft.com/office/drawing/2014/main" xmlns="" id="{73CF3333-F2C5-40FD-ABD8-ECBA55B18A52}"/>
               </a:ext>
             </a:extLst>
           </p:cNvPr>
@@ -2309,7 +2309,7 @@
           <p:cNvPr id="4" name="Text Placeholder 3">
             <a:extLst>
               <a:ext uri="{FF2B5EF4-FFF2-40B4-BE49-F238E27FC236}">
-                <a16:creationId xmlns:a16="http://schemas.microsoft.com/office/drawing/2014/main" id="{E1FB31B4-C23A-4033-8A03-8F7AB8A569E5}"/>
+                <a16:creationId xmlns:a16="http://schemas.microsoft.com/office/drawing/2014/main" xmlns="" id="{E1FB31B4-C23A-4033-8A03-8F7AB8A569E5}"/>
               </a:ext>
             </a:extLst>
           </p:cNvPr>
@@ -2380,7 +2380,7 @@
           <p:cNvPr id="5" name="Date Placeholder 4">
             <a:extLst>
               <a:ext uri="{FF2B5EF4-FFF2-40B4-BE49-F238E27FC236}">
-                <a16:creationId xmlns:a16="http://schemas.microsoft.com/office/drawing/2014/main" id="{9A87C9AF-F835-43E5-9C8B-839B0ECA6ECA}"/>
+                <a16:creationId xmlns:a16="http://schemas.microsoft.com/office/drawing/2014/main" xmlns="" id="{9A87C9AF-F835-43E5-9C8B-839B0ECA6ECA}"/>
               </a:ext>
             </a:extLst>
           </p:cNvPr>
@@ -2398,7 +2398,7 @@
           <a:p>
             <a:fld id="{D45E1CC4-4A64-4A22-87DA-941B055B68EA}" type="datetimeFigureOut">
               <a:rPr kumimoji="1" lang="ja-JP" altLang="en-US" smtClean="0"/>
-              <a:t>2018/12/5</a:t>
+              <a:t>2019/1/13</a:t>
             </a:fld>
             <a:endParaRPr kumimoji="1" lang="ja-JP" altLang="en-US"/>
           </a:p>
@@ -2409,7 +2409,7 @@
           <p:cNvPr id="6" name="Footer Placeholder 5">
             <a:extLst>
               <a:ext uri="{FF2B5EF4-FFF2-40B4-BE49-F238E27FC236}">
-                <a16:creationId xmlns:a16="http://schemas.microsoft.com/office/drawing/2014/main" id="{7689E899-EA1B-40A0-A776-973E938B5446}"/>
+                <a16:creationId xmlns:a16="http://schemas.microsoft.com/office/drawing/2014/main" xmlns="" id="{7689E899-EA1B-40A0-A776-973E938B5446}"/>
               </a:ext>
             </a:extLst>
           </p:cNvPr>
@@ -2434,7 +2434,7 @@
           <p:cNvPr id="7" name="Slide Number Placeholder 6">
             <a:extLst>
               <a:ext uri="{FF2B5EF4-FFF2-40B4-BE49-F238E27FC236}">
-                <a16:creationId xmlns:a16="http://schemas.microsoft.com/office/drawing/2014/main" id="{6355CD75-36D1-4B46-B6CF-0E131ED7364A}"/>
+                <a16:creationId xmlns:a16="http://schemas.microsoft.com/office/drawing/2014/main" xmlns="" id="{6355CD75-36D1-4B46-B6CF-0E131ED7364A}"/>
               </a:ext>
             </a:extLst>
           </p:cNvPr>
@@ -2493,7 +2493,7 @@
           <p:cNvPr id="2" name="Title 1">
             <a:extLst>
               <a:ext uri="{FF2B5EF4-FFF2-40B4-BE49-F238E27FC236}">
-                <a16:creationId xmlns:a16="http://schemas.microsoft.com/office/drawing/2014/main" id="{C454DCBC-E965-4177-8F25-40D798FEE58B}"/>
+                <a16:creationId xmlns:a16="http://schemas.microsoft.com/office/drawing/2014/main" xmlns="" id="{C454DCBC-E965-4177-8F25-40D798FEE58B}"/>
               </a:ext>
             </a:extLst>
           </p:cNvPr>
@@ -2531,7 +2531,7 @@
           <p:cNvPr id="3" name="Picture Placeholder 2">
             <a:extLst>
               <a:ext uri="{FF2B5EF4-FFF2-40B4-BE49-F238E27FC236}">
-                <a16:creationId xmlns:a16="http://schemas.microsoft.com/office/drawing/2014/main" id="{2D621702-69B0-471A-A065-AD914C0B737A}"/>
+                <a16:creationId xmlns:a16="http://schemas.microsoft.com/office/drawing/2014/main" xmlns="" id="{2D621702-69B0-471A-A065-AD914C0B737A}"/>
               </a:ext>
             </a:extLst>
           </p:cNvPr>
@@ -2598,7 +2598,7 @@
           <p:cNvPr id="4" name="Text Placeholder 3">
             <a:extLst>
               <a:ext uri="{FF2B5EF4-FFF2-40B4-BE49-F238E27FC236}">
-                <a16:creationId xmlns:a16="http://schemas.microsoft.com/office/drawing/2014/main" id="{25E1F0C4-AF8F-415A-AD72-305C23D0FE51}"/>
+                <a16:creationId xmlns:a16="http://schemas.microsoft.com/office/drawing/2014/main" xmlns="" id="{25E1F0C4-AF8F-415A-AD72-305C23D0FE51}"/>
               </a:ext>
             </a:extLst>
           </p:cNvPr>
@@ -2669,7 +2669,7 @@
           <p:cNvPr id="5" name="Date Placeholder 4">
             <a:extLst>
               <a:ext uri="{FF2B5EF4-FFF2-40B4-BE49-F238E27FC236}">
-                <a16:creationId xmlns:a16="http://schemas.microsoft.com/office/drawing/2014/main" id="{1581B668-E211-4E92-90D1-9284341DE939}"/>
+                <a16:creationId xmlns:a16="http://schemas.microsoft.com/office/drawing/2014/main" xmlns="" id="{1581B668-E211-4E92-90D1-9284341DE939}"/>
               </a:ext>
             </a:extLst>
           </p:cNvPr>
@@ -2687,7 +2687,7 @@
           <a:p>
             <a:fld id="{D45E1CC4-4A64-4A22-87DA-941B055B68EA}" type="datetimeFigureOut">
               <a:rPr kumimoji="1" lang="ja-JP" altLang="en-US" smtClean="0"/>
-              <a:t>2018/12/5</a:t>
+              <a:t>2019/1/13</a:t>
             </a:fld>
             <a:endParaRPr kumimoji="1" lang="ja-JP" altLang="en-US"/>
           </a:p>
@@ -2698,7 +2698,7 @@
           <p:cNvPr id="6" name="Footer Placeholder 5">
             <a:extLst>
               <a:ext uri="{FF2B5EF4-FFF2-40B4-BE49-F238E27FC236}">
-                <a16:creationId xmlns:a16="http://schemas.microsoft.com/office/drawing/2014/main" id="{28B3E962-0AFB-42CA-A8F6-7808AF2BC93B}"/>
+                <a16:creationId xmlns:a16="http://schemas.microsoft.com/office/drawing/2014/main" xmlns="" id="{28B3E962-0AFB-42CA-A8F6-7808AF2BC93B}"/>
               </a:ext>
             </a:extLst>
           </p:cNvPr>
@@ -2723,7 +2723,7 @@
           <p:cNvPr id="7" name="Slide Number Placeholder 6">
             <a:extLst>
               <a:ext uri="{FF2B5EF4-FFF2-40B4-BE49-F238E27FC236}">
-                <a16:creationId xmlns:a16="http://schemas.microsoft.com/office/drawing/2014/main" id="{4FF6243A-EFD5-4211-902D-73D3EE8062A7}"/>
+                <a16:creationId xmlns:a16="http://schemas.microsoft.com/office/drawing/2014/main" xmlns="" id="{4FF6243A-EFD5-4211-902D-73D3EE8062A7}"/>
               </a:ext>
             </a:extLst>
           </p:cNvPr>
@@ -2787,7 +2787,7 @@
           <p:cNvPr id="2" name="Title Placeholder 1">
             <a:extLst>
               <a:ext uri="{FF2B5EF4-FFF2-40B4-BE49-F238E27FC236}">
-                <a16:creationId xmlns:a16="http://schemas.microsoft.com/office/drawing/2014/main" id="{29846FBC-2458-4EFA-A31A-DF3E5172E5FA}"/>
+                <a16:creationId xmlns:a16="http://schemas.microsoft.com/office/drawing/2014/main" xmlns="" id="{29846FBC-2458-4EFA-A31A-DF3E5172E5FA}"/>
               </a:ext>
             </a:extLst>
           </p:cNvPr>
@@ -2826,7 +2826,7 @@
           <p:cNvPr id="3" name="Text Placeholder 2">
             <a:extLst>
               <a:ext uri="{FF2B5EF4-FFF2-40B4-BE49-F238E27FC236}">
-                <a16:creationId xmlns:a16="http://schemas.microsoft.com/office/drawing/2014/main" id="{953FBBBE-5840-4A30-B159-4623B354F296}"/>
+                <a16:creationId xmlns:a16="http://schemas.microsoft.com/office/drawing/2014/main" xmlns="" id="{953FBBBE-5840-4A30-B159-4623B354F296}"/>
               </a:ext>
             </a:extLst>
           </p:cNvPr>
@@ -2894,7 +2894,7 @@
           <p:cNvPr id="4" name="Date Placeholder 3">
             <a:extLst>
               <a:ext uri="{FF2B5EF4-FFF2-40B4-BE49-F238E27FC236}">
-                <a16:creationId xmlns:a16="http://schemas.microsoft.com/office/drawing/2014/main" id="{F2B47DFC-92A4-4517-BB3F-EA07A1FA3C0B}"/>
+                <a16:creationId xmlns:a16="http://schemas.microsoft.com/office/drawing/2014/main" xmlns="" id="{F2B47DFC-92A4-4517-BB3F-EA07A1FA3C0B}"/>
               </a:ext>
             </a:extLst>
           </p:cNvPr>
@@ -2930,7 +2930,7 @@
           <a:p>
             <a:fld id="{D45E1CC4-4A64-4A22-87DA-941B055B68EA}" type="datetimeFigureOut">
               <a:rPr kumimoji="1" lang="ja-JP" altLang="en-US" smtClean="0"/>
-              <a:t>2018/12/5</a:t>
+              <a:t>2019/1/13</a:t>
             </a:fld>
             <a:endParaRPr kumimoji="1" lang="ja-JP" altLang="en-US"/>
           </a:p>
@@ -2941,7 +2941,7 @@
           <p:cNvPr id="5" name="Footer Placeholder 4">
             <a:extLst>
               <a:ext uri="{FF2B5EF4-FFF2-40B4-BE49-F238E27FC236}">
-                <a16:creationId xmlns:a16="http://schemas.microsoft.com/office/drawing/2014/main" id="{E73D1FFB-425D-4B08-84CC-72E46DED955A}"/>
+                <a16:creationId xmlns:a16="http://schemas.microsoft.com/office/drawing/2014/main" xmlns="" id="{E73D1FFB-425D-4B08-84CC-72E46DED955A}"/>
               </a:ext>
             </a:extLst>
           </p:cNvPr>
@@ -2984,7 +2984,7 @@
           <p:cNvPr id="6" name="Slide Number Placeholder 5">
             <a:extLst>
               <a:ext uri="{FF2B5EF4-FFF2-40B4-BE49-F238E27FC236}">
-                <a16:creationId xmlns:a16="http://schemas.microsoft.com/office/drawing/2014/main" id="{CC8D32AB-4175-40FB-B1D3-9335ECC9AAE3}"/>
+                <a16:creationId xmlns:a16="http://schemas.microsoft.com/office/drawing/2014/main" xmlns="" id="{CC8D32AB-4175-40FB-B1D3-9335ECC9AAE3}"/>
               </a:ext>
             </a:extLst>
           </p:cNvPr>
@@ -3349,13 +3349,7 @@
       </p:grpSpPr>
       <p:pic>
         <p:nvPicPr>
-          <p:cNvPr id="5" name="Picture 4">
-            <a:extLst>
-              <a:ext uri="{FF2B5EF4-FFF2-40B4-BE49-F238E27FC236}">
-                <a16:creationId xmlns:a16="http://schemas.microsoft.com/office/drawing/2014/main" id="{FC1783E9-5CF7-4E01-9DB3-9073E11111F9}"/>
-              </a:ext>
-            </a:extLst>
-          </p:cNvPr>
+          <p:cNvPr id="4" name="図 3"/>
           <p:cNvPicPr>
             <a:picLocks noChangeAspect="1"/>
           </p:cNvPicPr>
@@ -3375,19 +3369,12 @@
         </p:blipFill>
         <p:spPr>
           <a:xfrm>
-            <a:off x="2957549" y="1345442"/>
-            <a:ext cx="6276901" cy="4105995"/>
+            <a:off x="2966544" y="1509014"/>
+            <a:ext cx="5784103" cy="4061477"/>
           </a:xfrm>
           <a:prstGeom prst="rect">
             <a:avLst/>
           </a:prstGeom>
-          <a:ln>
-            <a:solidFill>
-              <a:schemeClr val="bg1">
-                <a:lumMod val="75000"/>
-              </a:schemeClr>
-            </a:solidFill>
-          </a:ln>
         </p:spPr>
       </p:pic>
       <p:grpSp>
@@ -3395,7 +3382,7 @@
           <p:cNvPr id="9" name="Group 8">
             <a:extLst>
               <a:ext uri="{FF2B5EF4-FFF2-40B4-BE49-F238E27FC236}">
-                <a16:creationId xmlns:a16="http://schemas.microsoft.com/office/drawing/2014/main" id="{44528237-CCCC-406F-A990-97BE27BD0B81}"/>
+                <a16:creationId xmlns:a16="http://schemas.microsoft.com/office/drawing/2014/main" xmlns="" id="{44528237-CCCC-406F-A990-97BE27BD0B81}"/>
               </a:ext>
             </a:extLst>
           </p:cNvPr>
@@ -3405,9 +3392,9 @@
         <p:grpSpPr>
           <a:xfrm>
             <a:off x="879474" y="309563"/>
-            <a:ext cx="7616826" cy="1602035"/>
+            <a:ext cx="7616826" cy="1771248"/>
             <a:chOff x="879475" y="309563"/>
-            <a:chExt cx="7489050" cy="1602035"/>
+            <a:chExt cx="7489050" cy="1771248"/>
           </a:xfrm>
         </p:grpSpPr>
         <p:sp>
@@ -3415,7 +3402,7 @@
             <p:cNvPr id="6" name="Rectangle: Rounded Corners 5">
               <a:extLst>
                 <a:ext uri="{FF2B5EF4-FFF2-40B4-BE49-F238E27FC236}">
-                  <a16:creationId xmlns:a16="http://schemas.microsoft.com/office/drawing/2014/main" id="{807B5FA2-D06B-41FF-B759-BCF43E8A3D57}"/>
+                  <a16:creationId xmlns:a16="http://schemas.microsoft.com/office/drawing/2014/main" xmlns="" id="{807B5FA2-D06B-41FF-B759-BCF43E8A3D57}"/>
                 </a:ext>
               </a:extLst>
             </p:cNvPr>
@@ -3453,11 +3440,23 @@
               <a:pPr algn="ctr"/>
               <a:r>
                 <a:rPr kumimoji="1" lang="ja-JP" altLang="en-US" dirty="0"/>
-                <a:t>「実行」「ステップ実行」「エクスポート」「インポート</a:t>
+                <a:t>「実行」</a:t>
               </a:r>
               <a:r>
-                <a:rPr lang="ja-JP" altLang="en-US" dirty="0"/>
-                <a:t>」「</a:t>
+                <a:rPr kumimoji="1" lang="ja-JP" altLang="en-US" dirty="0" smtClean="0"/>
+                <a:t>「インポート」</a:t>
+              </a:r>
+              <a:r>
+                <a:rPr kumimoji="1" lang="ja-JP" altLang="en-US" dirty="0"/>
+                <a:t>「エクスポート</a:t>
+              </a:r>
+              <a:r>
+                <a:rPr kumimoji="1" lang="ja-JP" altLang="en-US" dirty="0" smtClean="0"/>
+                <a:t>」</a:t>
+              </a:r>
+              <a:r>
+                <a:rPr lang="ja-JP" altLang="en-US" dirty="0" smtClean="0"/>
+                <a:t>「</a:t>
               </a:r>
               <a:r>
                 <a:rPr kumimoji="1" lang="ja-JP" altLang="en-US" dirty="0"/>
@@ -3471,7 +3470,7 @@
             <p:cNvPr id="3" name="Straight Connector 2">
               <a:extLst>
                 <a:ext uri="{FF2B5EF4-FFF2-40B4-BE49-F238E27FC236}">
-                  <a16:creationId xmlns:a16="http://schemas.microsoft.com/office/drawing/2014/main" id="{3E94517D-8388-4CBE-AFBE-12ED306022B9}"/>
+                  <a16:creationId xmlns:a16="http://schemas.microsoft.com/office/drawing/2014/main" xmlns="" id="{3E94517D-8388-4CBE-AFBE-12ED306022B9}"/>
                 </a:ext>
               </a:extLst>
             </p:cNvPr>
@@ -3485,7 +3484,7 @@
           <p:spPr>
             <a:xfrm>
               <a:off x="4624000" y="814388"/>
-              <a:ext cx="909830" cy="782885"/>
+              <a:ext cx="803133" cy="1034000"/>
             </a:xfrm>
             <a:prstGeom prst="line">
               <a:avLst/>
@@ -3512,7 +3511,7 @@
             <p:cNvPr id="7" name="Left Bracket 6">
               <a:extLst>
                 <a:ext uri="{FF2B5EF4-FFF2-40B4-BE49-F238E27FC236}">
-                  <a16:creationId xmlns:a16="http://schemas.microsoft.com/office/drawing/2014/main" id="{BD7C6A00-E7A5-4A21-ADAF-839363E0BD95}"/>
+                  <a16:creationId xmlns:a16="http://schemas.microsoft.com/office/drawing/2014/main" xmlns="" id="{BD7C6A00-E7A5-4A21-ADAF-839363E0BD95}"/>
                 </a:ext>
               </a:extLst>
             </p:cNvPr>
@@ -3521,8 +3520,8 @@
           </p:nvSpPr>
           <p:spPr>
             <a:xfrm rot="5400000">
-              <a:off x="5376667" y="448143"/>
-              <a:ext cx="314325" cy="2612585"/>
+              <a:off x="5310921" y="1192252"/>
+              <a:ext cx="232423" cy="1544695"/>
             </a:xfrm>
             <a:prstGeom prst="leftBracket">
               <a:avLst/>
@@ -3558,7 +3557,7 @@
           <p:cNvPr id="11" name="Group 10">
             <a:extLst>
               <a:ext uri="{FF2B5EF4-FFF2-40B4-BE49-F238E27FC236}">
-                <a16:creationId xmlns:a16="http://schemas.microsoft.com/office/drawing/2014/main" id="{621ED8B3-11E9-4622-9657-C88A2871C5ED}"/>
+                <a16:creationId xmlns:a16="http://schemas.microsoft.com/office/drawing/2014/main" xmlns="" id="{621ED8B3-11E9-4622-9657-C88A2871C5ED}"/>
               </a:ext>
             </a:extLst>
           </p:cNvPr>
@@ -3567,10 +3566,10 @@
         </p:nvGrpSpPr>
         <p:grpSpPr>
           <a:xfrm>
-            <a:off x="292135" y="1267310"/>
-            <a:ext cx="3901404" cy="1000919"/>
-            <a:chOff x="290088" y="-1206808"/>
-            <a:chExt cx="3835956" cy="1000919"/>
+            <a:off x="438345" y="1580348"/>
+            <a:ext cx="4232862" cy="1000919"/>
+            <a:chOff x="433845" y="-893770"/>
+            <a:chExt cx="4161853" cy="1000919"/>
           </a:xfrm>
         </p:grpSpPr>
         <p:sp>
@@ -3578,7 +3577,7 @@
             <p:cNvPr id="12" name="Rectangle: Rounded Corners 11">
               <a:extLst>
                 <a:ext uri="{FF2B5EF4-FFF2-40B4-BE49-F238E27FC236}">
-                  <a16:creationId xmlns:a16="http://schemas.microsoft.com/office/drawing/2014/main" id="{898D5868-DE11-4B5F-917B-AA3CE6CF71DC}"/>
+                  <a16:creationId xmlns:a16="http://schemas.microsoft.com/office/drawing/2014/main" xmlns="" id="{898D5868-DE11-4B5F-917B-AA3CE6CF71DC}"/>
                 </a:ext>
               </a:extLst>
             </p:cNvPr>
@@ -3587,8 +3586,8 @@
           </p:nvSpPr>
           <p:spPr>
             <a:xfrm>
-              <a:off x="290088" y="-1206808"/>
-              <a:ext cx="1957331" cy="1000919"/>
+              <a:off x="433845" y="-893770"/>
+              <a:ext cx="2103152" cy="1000919"/>
             </a:xfrm>
             <a:prstGeom prst="roundRect">
               <a:avLst/>
@@ -3615,16 +3614,16 @@
             <a:p>
               <a:pPr algn="ctr"/>
               <a:r>
-                <a:rPr lang="ja-JP" altLang="en-US" dirty="0"/>
-                <a:t>「</a:t>
-              </a:r>
-              <a:r>
-                <a:rPr lang="en-US" altLang="ja-JP" dirty="0" err="1"/>
-                <a:t>Blockly</a:t>
+                <a:rPr lang="ja-JP" altLang="en-US" dirty="0" smtClean="0"/>
+                <a:t>「ブロックタブ</a:t>
               </a:r>
               <a:r>
                 <a:rPr lang="ja-JP" altLang="en-US" dirty="0"/>
-                <a:t>タブ」</a:t>
+                <a:t>」</a:t>
+              </a:r>
+              <a:r>
+                <a:rPr lang="en-US" altLang="ja-JP" dirty="0"/>
+                <a:t/>
               </a:r>
               <a:br>
                 <a:rPr lang="en-US" altLang="ja-JP" dirty="0"/>
@@ -3650,7 +3649,7 @@
             <p:cNvPr id="13" name="Straight Connector 12">
               <a:extLst>
                 <a:ext uri="{FF2B5EF4-FFF2-40B4-BE49-F238E27FC236}">
-                  <a16:creationId xmlns:a16="http://schemas.microsoft.com/office/drawing/2014/main" id="{D07EA6A3-7891-4F0F-A531-3706875E55CC}"/>
+                  <a16:creationId xmlns:a16="http://schemas.microsoft.com/office/drawing/2014/main" xmlns="" id="{D07EA6A3-7891-4F0F-A531-3706875E55CC}"/>
                 </a:ext>
               </a:extLst>
             </p:cNvPr>
@@ -3663,8 +3662,8 @@
           </p:nvCxnSpPr>
           <p:spPr>
             <a:xfrm flipV="1">
-              <a:off x="2247419" y="-863510"/>
-              <a:ext cx="1270998" cy="157162"/>
+              <a:off x="2536997" y="-625732"/>
+              <a:ext cx="1229431" cy="232422"/>
             </a:xfrm>
             <a:prstGeom prst="line">
               <a:avLst/>
@@ -3691,7 +3690,7 @@
             <p:cNvPr id="14" name="Left Bracket 13">
               <a:extLst>
                 <a:ext uri="{FF2B5EF4-FFF2-40B4-BE49-F238E27FC236}">
-                  <a16:creationId xmlns:a16="http://schemas.microsoft.com/office/drawing/2014/main" id="{F6AF605F-AA6F-4624-BC85-CD755F96DDEF}"/>
+                  <a16:creationId xmlns:a16="http://schemas.microsoft.com/office/drawing/2014/main" xmlns="" id="{F6AF605F-AA6F-4624-BC85-CD755F96DDEF}"/>
                 </a:ext>
               </a:extLst>
             </p:cNvPr>
@@ -3700,8 +3699,8 @@
           </p:nvSpPr>
           <p:spPr>
             <a:xfrm rot="5400000">
-              <a:off x="3361254" y="-1313975"/>
-              <a:ext cx="314325" cy="1215255"/>
+              <a:off x="3650217" y="-1338791"/>
+              <a:ext cx="232422" cy="1658540"/>
             </a:xfrm>
             <a:prstGeom prst="leftBracket">
               <a:avLst/>
@@ -3737,7 +3736,7 @@
           <p:cNvPr id="29" name="Group 28">
             <a:extLst>
               <a:ext uri="{FF2B5EF4-FFF2-40B4-BE49-F238E27FC236}">
-                <a16:creationId xmlns:a16="http://schemas.microsoft.com/office/drawing/2014/main" id="{856954CC-E610-44FB-AF39-3264877485D7}"/>
+                <a16:creationId xmlns:a16="http://schemas.microsoft.com/office/drawing/2014/main" xmlns="" id="{856954CC-E610-44FB-AF39-3264877485D7}"/>
               </a:ext>
             </a:extLst>
           </p:cNvPr>
@@ -3746,10 +3745,10 @@
         </p:nvGrpSpPr>
         <p:grpSpPr>
           <a:xfrm>
-            <a:off x="292135" y="1924933"/>
-            <a:ext cx="2979738" cy="2115280"/>
-            <a:chOff x="1597026" y="-2710319"/>
-            <a:chExt cx="2929751" cy="2115280"/>
+            <a:off x="292135" y="2106604"/>
+            <a:ext cx="2911254" cy="2839748"/>
+            <a:chOff x="1597026" y="-2528648"/>
+            <a:chExt cx="2862416" cy="2839748"/>
           </a:xfrm>
         </p:grpSpPr>
         <p:sp>
@@ -3757,7 +3756,7 @@
             <p:cNvPr id="30" name="Rectangle: Rounded Corners 29">
               <a:extLst>
                 <a:ext uri="{FF2B5EF4-FFF2-40B4-BE49-F238E27FC236}">
-                  <a16:creationId xmlns:a16="http://schemas.microsoft.com/office/drawing/2014/main" id="{4FB9F585-76A6-4737-BC31-B757C139150D}"/>
+                  <a16:creationId xmlns:a16="http://schemas.microsoft.com/office/drawing/2014/main" xmlns="" id="{4FB9F585-76A6-4737-BC31-B757C139150D}"/>
                 </a:ext>
               </a:extLst>
             </p:cNvPr>
@@ -3805,7 +3804,7 @@
             <p:cNvPr id="31" name="Straight Connector 30">
               <a:extLst>
                 <a:ext uri="{FF2B5EF4-FFF2-40B4-BE49-F238E27FC236}">
-                  <a16:creationId xmlns:a16="http://schemas.microsoft.com/office/drawing/2014/main" id="{C166B1AF-E829-4533-9B4A-86B0BA80B14F}"/>
+                  <a16:creationId xmlns:a16="http://schemas.microsoft.com/office/drawing/2014/main" xmlns="" id="{C166B1AF-E829-4533-9B4A-86B0BA80B14F}"/>
                 </a:ext>
               </a:extLst>
             </p:cNvPr>
@@ -3818,8 +3817,8 @@
           </p:nvCxnSpPr>
           <p:spPr>
             <a:xfrm flipV="1">
-              <a:off x="3554357" y="-1790010"/>
-              <a:ext cx="663368" cy="694512"/>
+              <a:off x="3554357" y="-1108774"/>
+              <a:ext cx="596033" cy="13276"/>
             </a:xfrm>
             <a:prstGeom prst="line">
               <a:avLst/>
@@ -3846,7 +3845,7 @@
             <p:cNvPr id="32" name="Left Bracket 31">
               <a:extLst>
                 <a:ext uri="{FF2B5EF4-FFF2-40B4-BE49-F238E27FC236}">
-                  <a16:creationId xmlns:a16="http://schemas.microsoft.com/office/drawing/2014/main" id="{2268F465-D583-4D1A-9343-EA31C7985E61}"/>
+                  <a16:creationId xmlns:a16="http://schemas.microsoft.com/office/drawing/2014/main" xmlns="" id="{2268F465-D583-4D1A-9343-EA31C7985E61}"/>
                 </a:ext>
               </a:extLst>
             </p:cNvPr>
@@ -3855,8 +3854,8 @@
           </p:nvSpPr>
           <p:spPr>
             <a:xfrm>
-              <a:off x="4217725" y="-2710319"/>
-              <a:ext cx="309052" cy="1840617"/>
+              <a:off x="4150390" y="-2528648"/>
+              <a:ext cx="309052" cy="2839748"/>
             </a:xfrm>
             <a:prstGeom prst="leftBracket">
               <a:avLst/>
@@ -3892,7 +3891,7 @@
           <p:cNvPr id="84" name="Group 83">
             <a:extLst>
               <a:ext uri="{FF2B5EF4-FFF2-40B4-BE49-F238E27FC236}">
-                <a16:creationId xmlns:a16="http://schemas.microsoft.com/office/drawing/2014/main" id="{E586A2B3-2731-4FC5-8BDA-911021006210}"/>
+                <a16:creationId xmlns:a16="http://schemas.microsoft.com/office/drawing/2014/main" xmlns="" id="{E586A2B3-2731-4FC5-8BDA-911021006210}"/>
               </a:ext>
             </a:extLst>
           </p:cNvPr>
@@ -3912,7 +3911,7 @@
             <p:cNvPr id="48" name="Group 47">
               <a:extLst>
                 <a:ext uri="{FF2B5EF4-FFF2-40B4-BE49-F238E27FC236}">
-                  <a16:creationId xmlns:a16="http://schemas.microsoft.com/office/drawing/2014/main" id="{A75E2237-A6FC-4DE5-A90F-D55C7C680392}"/>
+                  <a16:creationId xmlns:a16="http://schemas.microsoft.com/office/drawing/2014/main" xmlns="" id="{A75E2237-A6FC-4DE5-A90F-D55C7C680392}"/>
                 </a:ext>
               </a:extLst>
             </p:cNvPr>
@@ -3932,7 +3931,7 @@
               <p:cNvPr id="49" name="Rectangle: Rounded Corners 48">
                 <a:extLst>
                   <a:ext uri="{FF2B5EF4-FFF2-40B4-BE49-F238E27FC236}">
-                    <a16:creationId xmlns:a16="http://schemas.microsoft.com/office/drawing/2014/main" id="{723C635F-2E1C-4ADD-B08E-F7C7727E3AAE}"/>
+                    <a16:creationId xmlns:a16="http://schemas.microsoft.com/office/drawing/2014/main" xmlns="" id="{723C635F-2E1C-4ADD-B08E-F7C7727E3AAE}"/>
                   </a:ext>
                 </a:extLst>
               </p:cNvPr>
@@ -3980,7 +3979,7 @@
               <p:cNvPr id="50" name="Straight Connector 49">
                 <a:extLst>
                   <a:ext uri="{FF2B5EF4-FFF2-40B4-BE49-F238E27FC236}">
-                    <a16:creationId xmlns:a16="http://schemas.microsoft.com/office/drawing/2014/main" id="{4696BEF4-73E0-49A8-B6FF-A9313B620983}"/>
+                    <a16:creationId xmlns:a16="http://schemas.microsoft.com/office/drawing/2014/main" xmlns="" id="{4696BEF4-73E0-49A8-B6FF-A9313B620983}"/>
                   </a:ext>
                 </a:extLst>
               </p:cNvPr>
@@ -4022,7 +4021,7 @@
             <p:cNvPr id="62" name="Arc 61">
               <a:extLst>
                 <a:ext uri="{FF2B5EF4-FFF2-40B4-BE49-F238E27FC236}">
-                  <a16:creationId xmlns:a16="http://schemas.microsoft.com/office/drawing/2014/main" id="{2AF7D095-C82C-4A32-B99A-C7C59E8EDC66}"/>
+                  <a16:creationId xmlns:a16="http://schemas.microsoft.com/office/drawing/2014/main" xmlns="" id="{2AF7D095-C82C-4A32-B99A-C7C59E8EDC66}"/>
                 </a:ext>
               </a:extLst>
             </p:cNvPr>
@@ -4078,7 +4077,7 @@
           <p:cNvPr id="74" name="Group 73">
             <a:extLst>
               <a:ext uri="{FF2B5EF4-FFF2-40B4-BE49-F238E27FC236}">
-                <a16:creationId xmlns:a16="http://schemas.microsoft.com/office/drawing/2014/main" id="{D2651DDA-9FFA-4E7F-8EEA-DB76264BE2D1}"/>
+                <a16:creationId xmlns:a16="http://schemas.microsoft.com/office/drawing/2014/main" xmlns="" id="{D2651DDA-9FFA-4E7F-8EEA-DB76264BE2D1}"/>
               </a:ext>
             </a:extLst>
           </p:cNvPr>
@@ -4087,10 +4086,10 @@
         </p:nvGrpSpPr>
         <p:grpSpPr>
           <a:xfrm>
-            <a:off x="4284659" y="3868737"/>
-            <a:ext cx="2466966" cy="2765906"/>
-            <a:chOff x="1597026" y="-3360945"/>
-            <a:chExt cx="2425581" cy="2765906"/>
+            <a:off x="3917080" y="3970163"/>
+            <a:ext cx="2334416" cy="2790454"/>
+            <a:chOff x="1597026" y="-3385493"/>
+            <a:chExt cx="2295255" cy="2790454"/>
           </a:xfrm>
         </p:grpSpPr>
         <p:sp>
@@ -4098,7 +4097,7 @@
             <p:cNvPr id="75" name="Rectangle: Rounded Corners 74">
               <a:extLst>
                 <a:ext uri="{FF2B5EF4-FFF2-40B4-BE49-F238E27FC236}">
-                  <a16:creationId xmlns:a16="http://schemas.microsoft.com/office/drawing/2014/main" id="{58A1D772-855C-43DE-B756-DA6F1D09D669}"/>
+                  <a16:creationId xmlns:a16="http://schemas.microsoft.com/office/drawing/2014/main" xmlns="" id="{58A1D772-855C-43DE-B756-DA6F1D09D669}"/>
                 </a:ext>
               </a:extLst>
             </p:cNvPr>
@@ -4146,7 +4145,7 @@
             <p:cNvPr id="76" name="Straight Connector 75">
               <a:extLst>
                 <a:ext uri="{FF2B5EF4-FFF2-40B4-BE49-F238E27FC236}">
-                  <a16:creationId xmlns:a16="http://schemas.microsoft.com/office/drawing/2014/main" id="{69FEC10F-7DED-4506-9EEE-C7B757A4002C}"/>
+                  <a16:creationId xmlns:a16="http://schemas.microsoft.com/office/drawing/2014/main" xmlns="" id="{69FEC10F-7DED-4506-9EEE-C7B757A4002C}"/>
                 </a:ext>
               </a:extLst>
             </p:cNvPr>
@@ -4159,8 +4158,8 @@
           </p:nvCxnSpPr>
           <p:spPr>
             <a:xfrm flipV="1">
-              <a:off x="2575692" y="-2630381"/>
-              <a:ext cx="1137863" cy="1034423"/>
+              <a:off x="2575691" y="-2654929"/>
+              <a:ext cx="1007538" cy="1058971"/>
             </a:xfrm>
             <a:prstGeom prst="line">
               <a:avLst/>
@@ -4187,7 +4186,7 @@
             <p:cNvPr id="77" name="Left Bracket 76">
               <a:extLst>
                 <a:ext uri="{FF2B5EF4-FFF2-40B4-BE49-F238E27FC236}">
-                  <a16:creationId xmlns:a16="http://schemas.microsoft.com/office/drawing/2014/main" id="{3F63B2C1-2367-47BF-9885-4BFD40AFD316}"/>
+                  <a16:creationId xmlns:a16="http://schemas.microsoft.com/office/drawing/2014/main" xmlns="" id="{3F63B2C1-2367-47BF-9885-4BFD40AFD316}"/>
                 </a:ext>
               </a:extLst>
             </p:cNvPr>
@@ -4196,7 +4195,7 @@
           </p:nvSpPr>
           <p:spPr>
             <a:xfrm>
-              <a:off x="3713555" y="-3360945"/>
+              <a:off x="3583229" y="-3385493"/>
               <a:ext cx="309052" cy="1461128"/>
             </a:xfrm>
             <a:prstGeom prst="leftBracket">
@@ -4233,7 +4232,7 @@
           <p:cNvPr id="85" name="Group 84">
             <a:extLst>
               <a:ext uri="{FF2B5EF4-FFF2-40B4-BE49-F238E27FC236}">
-                <a16:creationId xmlns:a16="http://schemas.microsoft.com/office/drawing/2014/main" id="{78DDA269-4553-4ADB-A5F7-6E13899882CA}"/>
+                <a16:creationId xmlns:a16="http://schemas.microsoft.com/office/drawing/2014/main" xmlns="" id="{78DDA269-4553-4ADB-A5F7-6E13899882CA}"/>
               </a:ext>
             </a:extLst>
           </p:cNvPr>
@@ -4242,10 +4241,10 @@
         </p:nvGrpSpPr>
         <p:grpSpPr>
           <a:xfrm>
-            <a:off x="8046302" y="3765550"/>
-            <a:ext cx="3582086" cy="2064774"/>
-            <a:chOff x="1988416" y="3537993"/>
-            <a:chExt cx="3582086" cy="2064774"/>
+            <a:off x="7555168" y="4195134"/>
+            <a:ext cx="2729236" cy="2565483"/>
+            <a:chOff x="1497282" y="3967577"/>
+            <a:chExt cx="2729236" cy="2565483"/>
           </a:xfrm>
         </p:grpSpPr>
         <p:grpSp>
@@ -4253,7 +4252,7 @@
             <p:cNvPr id="86" name="Group 85">
               <a:extLst>
                 <a:ext uri="{FF2B5EF4-FFF2-40B4-BE49-F238E27FC236}">
-                  <a16:creationId xmlns:a16="http://schemas.microsoft.com/office/drawing/2014/main" id="{98170B17-CA31-41C2-8F27-09787CF97DB0}"/>
+                  <a16:creationId xmlns:a16="http://schemas.microsoft.com/office/drawing/2014/main" xmlns="" id="{98170B17-CA31-41C2-8F27-09787CF97DB0}"/>
                 </a:ext>
               </a:extLst>
             </p:cNvPr>
@@ -4262,10 +4261,10 @@
           </p:nvGrpSpPr>
           <p:grpSpPr>
             <a:xfrm>
-              <a:off x="2040010" y="3589587"/>
-              <a:ext cx="3530492" cy="2013180"/>
-              <a:chOff x="2946503" y="-3227954"/>
-              <a:chExt cx="3471265" cy="2013180"/>
+              <a:off x="1548876" y="4019171"/>
+              <a:ext cx="2677642" cy="2513889"/>
+              <a:chOff x="2463608" y="-2798370"/>
+              <a:chExt cx="2632723" cy="2513889"/>
             </a:xfrm>
           </p:grpSpPr>
           <p:sp>
@@ -4273,7 +4272,7 @@
               <p:cNvPr id="88" name="Rectangle: Rounded Corners 87">
                 <a:extLst>
                   <a:ext uri="{FF2B5EF4-FFF2-40B4-BE49-F238E27FC236}">
-                    <a16:creationId xmlns:a16="http://schemas.microsoft.com/office/drawing/2014/main" id="{CD9BCF49-E9AF-4961-B710-4671233D392D}"/>
+                    <a16:creationId xmlns:a16="http://schemas.microsoft.com/office/drawing/2014/main" xmlns="" id="{CD9BCF49-E9AF-4961-B710-4671233D392D}"/>
                   </a:ext>
                 </a:extLst>
               </p:cNvPr>
@@ -4282,7 +4281,7 @@
             </p:nvSpPr>
             <p:spPr>
               <a:xfrm>
-                <a:off x="4460437" y="-2215693"/>
+                <a:off x="3139000" y="-1285400"/>
                 <a:ext cx="1957331" cy="1000919"/>
               </a:xfrm>
               <a:prstGeom prst="roundRect">
@@ -4322,7 +4321,7 @@
               <p:cNvPr id="89" name="Straight Connector 88">
                 <a:extLst>
                   <a:ext uri="{FF2B5EF4-FFF2-40B4-BE49-F238E27FC236}">
-                    <a16:creationId xmlns:a16="http://schemas.microsoft.com/office/drawing/2014/main" id="{29D6749C-521F-45A9-A3E2-D35E8DDB7367}"/>
+                    <a16:creationId xmlns:a16="http://schemas.microsoft.com/office/drawing/2014/main" xmlns="" id="{29D6749C-521F-45A9-A3E2-D35E8DDB7367}"/>
                   </a:ext>
                 </a:extLst>
               </p:cNvPr>
@@ -4335,8 +4334,8 @@
             </p:nvCxnSpPr>
             <p:spPr>
               <a:xfrm flipH="1" flipV="1">
-                <a:off x="2946503" y="-3227954"/>
-                <a:ext cx="2492600" cy="1012261"/>
+                <a:off x="2463608" y="-2798370"/>
+                <a:ext cx="1654058" cy="1512970"/>
               </a:xfrm>
               <a:prstGeom prst="line">
                 <a:avLst/>
@@ -4364,7 +4363,7 @@
             <p:cNvPr id="87" name="Arc 86">
               <a:extLst>
                 <a:ext uri="{FF2B5EF4-FFF2-40B4-BE49-F238E27FC236}">
-                  <a16:creationId xmlns:a16="http://schemas.microsoft.com/office/drawing/2014/main" id="{00A54192-FEDB-49F8-B516-E0D5854494A0}"/>
+                  <a16:creationId xmlns:a16="http://schemas.microsoft.com/office/drawing/2014/main" xmlns="" id="{00A54192-FEDB-49F8-B516-E0D5854494A0}"/>
                 </a:ext>
               </a:extLst>
             </p:cNvPr>
@@ -4373,7 +4372,7 @@
           </p:nvSpPr>
           <p:spPr>
             <a:xfrm>
-              <a:off x="1988416" y="3537993"/>
+              <a:off x="1497282" y="3967577"/>
               <a:ext cx="103187" cy="103187"/>
             </a:xfrm>
             <a:prstGeom prst="arc">
@@ -4420,7 +4419,7 @@
           <p:cNvPr id="92" name="Group 91">
             <a:extLst>
               <a:ext uri="{FF2B5EF4-FFF2-40B4-BE49-F238E27FC236}">
-                <a16:creationId xmlns:a16="http://schemas.microsoft.com/office/drawing/2014/main" id="{D435A759-37C6-473B-9E70-A3D198C61721}"/>
+                <a16:creationId xmlns:a16="http://schemas.microsoft.com/office/drawing/2014/main" xmlns="" id="{D435A759-37C6-473B-9E70-A3D198C61721}"/>
               </a:ext>
             </a:extLst>
           </p:cNvPr>
@@ -4429,10 +4428,10 @@
         </p:nvGrpSpPr>
         <p:grpSpPr>
           <a:xfrm>
-            <a:off x="7829919" y="1754435"/>
-            <a:ext cx="3924985" cy="1155683"/>
-            <a:chOff x="1645516" y="4447084"/>
-            <a:chExt cx="3924985" cy="1155683"/>
+            <a:off x="8615831" y="1174023"/>
+            <a:ext cx="2922569" cy="1000919"/>
+            <a:chOff x="2253680" y="4663597"/>
+            <a:chExt cx="2922569" cy="1000919"/>
           </a:xfrm>
         </p:grpSpPr>
         <p:grpSp>
@@ -4440,7 +4439,7 @@
             <p:cNvPr id="93" name="Group 92">
               <a:extLst>
                 <a:ext uri="{FF2B5EF4-FFF2-40B4-BE49-F238E27FC236}">
-                  <a16:creationId xmlns:a16="http://schemas.microsoft.com/office/drawing/2014/main" id="{DB55932F-AC3D-4407-9A11-5B4F2AF3A8AB}"/>
+                  <a16:creationId xmlns:a16="http://schemas.microsoft.com/office/drawing/2014/main" xmlns="" id="{DB55932F-AC3D-4407-9A11-5B4F2AF3A8AB}"/>
                 </a:ext>
               </a:extLst>
             </p:cNvPr>
@@ -4449,10 +4448,10 @@
           </p:nvGrpSpPr>
           <p:grpSpPr>
             <a:xfrm>
-              <a:off x="1697110" y="4498678"/>
-              <a:ext cx="3873391" cy="1104089"/>
-              <a:chOff x="2609356" y="-2318863"/>
-              <a:chExt cx="3808412" cy="1104089"/>
+              <a:off x="2305274" y="4663597"/>
+              <a:ext cx="2870975" cy="1000919"/>
+              <a:chOff x="3207318" y="-2153944"/>
+              <a:chExt cx="2822812" cy="1000919"/>
             </a:xfrm>
           </p:grpSpPr>
           <p:sp>
@@ -4460,7 +4459,7 @@
               <p:cNvPr id="95" name="Rectangle: Rounded Corners 94">
                 <a:extLst>
                   <a:ext uri="{FF2B5EF4-FFF2-40B4-BE49-F238E27FC236}">
-                    <a16:creationId xmlns:a16="http://schemas.microsoft.com/office/drawing/2014/main" id="{A9DFD0C8-65FB-4636-BEB4-3EB42B236CAC}"/>
+                    <a16:creationId xmlns:a16="http://schemas.microsoft.com/office/drawing/2014/main" xmlns="" id="{A9DFD0C8-65FB-4636-BEB4-3EB42B236CAC}"/>
                   </a:ext>
                 </a:extLst>
               </p:cNvPr>
@@ -4469,7 +4468,194 @@
             </p:nvSpPr>
             <p:spPr>
               <a:xfrm>
-                <a:off x="4460437" y="-2215693"/>
+                <a:off x="4072799" y="-2153944"/>
+                <a:ext cx="1957331" cy="1000919"/>
+              </a:xfrm>
+              <a:prstGeom prst="roundRect">
+                <a:avLst/>
+              </a:prstGeom>
+              <a:ln w="28575"/>
+            </p:spPr>
+            <p:style>
+              <a:lnRef idx="2">
+                <a:schemeClr val="accent2"/>
+              </a:lnRef>
+              <a:fillRef idx="1">
+                <a:schemeClr val="lt1"/>
+              </a:fillRef>
+              <a:effectRef idx="0">
+                <a:schemeClr val="accent2"/>
+              </a:effectRef>
+              <a:fontRef idx="minor">
+                <a:schemeClr val="dk1"/>
+              </a:fontRef>
+            </p:style>
+            <p:txBody>
+              <a:bodyPr rtlCol="0" anchor="ctr"/>
+              <a:lstStyle/>
+              <a:p>
+                <a:pPr algn="ctr"/>
+                <a:r>
+                  <a:rPr kumimoji="1" lang="ja-JP" altLang="en-US" dirty="0" smtClean="0"/>
+                  <a:t>設定</a:t>
+                </a:r>
+                <a:endParaRPr kumimoji="1" lang="ja-JP" altLang="en-US" dirty="0"/>
+              </a:p>
+            </p:txBody>
+          </p:sp>
+          <p:cxnSp>
+            <p:nvCxnSpPr>
+              <p:cNvPr id="96" name="Straight Connector 95">
+                <a:extLst>
+                  <a:ext uri="{FF2B5EF4-FFF2-40B4-BE49-F238E27FC236}">
+                    <a16:creationId xmlns:a16="http://schemas.microsoft.com/office/drawing/2014/main" xmlns="" id="{9900560F-47B0-4B3E-A37E-989073697E5E}"/>
+                  </a:ext>
+                </a:extLst>
+              </p:cNvPr>
+              <p:cNvCxnSpPr>
+                <a:cxnSpLocks/>
+                <a:stCxn id="95" idx="1"/>
+                <a:endCxn id="94" idx="1"/>
+              </p:cNvCxnSpPr>
+              <p:nvPr/>
+            </p:nvCxnSpPr>
+            <p:spPr>
+              <a:xfrm flipH="1">
+                <a:off x="3207318" y="-1653484"/>
+                <a:ext cx="865481" cy="39726"/>
+              </a:xfrm>
+              <a:prstGeom prst="line">
+                <a:avLst/>
+              </a:prstGeom>
+              <a:ln w="19050"/>
+            </p:spPr>
+            <p:style>
+              <a:lnRef idx="1">
+                <a:schemeClr val="accent2"/>
+              </a:lnRef>
+              <a:fillRef idx="0">
+                <a:schemeClr val="accent2"/>
+              </a:fillRef>
+              <a:effectRef idx="0">
+                <a:schemeClr val="accent2"/>
+              </a:effectRef>
+              <a:fontRef idx="minor">
+                <a:schemeClr val="tx1"/>
+              </a:fontRef>
+            </p:style>
+          </p:cxnSp>
+        </p:grpSp>
+        <p:sp>
+          <p:nvSpPr>
+            <p:cNvPr id="94" name="Arc 93">
+              <a:extLst>
+                <a:ext uri="{FF2B5EF4-FFF2-40B4-BE49-F238E27FC236}">
+                  <a16:creationId xmlns:a16="http://schemas.microsoft.com/office/drawing/2014/main" xmlns="" id="{F095A548-7AFE-4F23-83FC-6BBDAB90B685}"/>
+                </a:ext>
+              </a:extLst>
+            </p:cNvPr>
+            <p:cNvSpPr/>
+            <p:nvPr/>
+          </p:nvSpPr>
+          <p:spPr>
+            <a:xfrm>
+              <a:off x="2253680" y="5152189"/>
+              <a:ext cx="103187" cy="103187"/>
+            </a:xfrm>
+            <a:prstGeom prst="arc">
+              <a:avLst>
+                <a:gd name="adj1" fmla="val 16200000"/>
+                <a:gd name="adj2" fmla="val 16198724"/>
+              </a:avLst>
+            </a:prstGeom>
+            <a:solidFill>
+              <a:schemeClr val="accent2"/>
+            </a:solidFill>
+            <a:ln>
+              <a:solidFill>
+                <a:schemeClr val="accent2"/>
+              </a:solidFill>
+            </a:ln>
+          </p:spPr>
+          <p:style>
+            <a:lnRef idx="1">
+              <a:schemeClr val="accent1"/>
+            </a:lnRef>
+            <a:fillRef idx="0">
+              <a:schemeClr val="accent1"/>
+            </a:fillRef>
+            <a:effectRef idx="0">
+              <a:schemeClr val="accent1"/>
+            </a:effectRef>
+            <a:fontRef idx="minor">
+              <a:schemeClr val="tx1"/>
+            </a:fontRef>
+          </p:style>
+          <p:txBody>
+            <a:bodyPr rtlCol="0" anchor="ctr"/>
+            <a:lstStyle/>
+            <a:p>
+              <a:pPr algn="ctr"/>
+              <a:endParaRPr kumimoji="1" lang="ja-JP" altLang="en-US"/>
+            </a:p>
+          </p:txBody>
+        </p:sp>
+      </p:grpSp>
+      <p:grpSp>
+        <p:nvGrpSpPr>
+          <p:cNvPr id="60" name="Group 91">
+            <a:extLst>
+              <a:ext uri="{FF2B5EF4-FFF2-40B4-BE49-F238E27FC236}">
+                <a16:creationId xmlns:a16="http://schemas.microsoft.com/office/drawing/2014/main" xmlns="" id="{D435A759-37C6-473B-9E70-A3D198C61721}"/>
+              </a:ext>
+            </a:extLst>
+          </p:cNvPr>
+          <p:cNvGrpSpPr/>
+          <p:nvPr/>
+        </p:nvGrpSpPr>
+        <p:grpSpPr>
+          <a:xfrm>
+            <a:off x="7456178" y="2116997"/>
+            <a:ext cx="4258439" cy="2136082"/>
+            <a:chOff x="1119375" y="4657246"/>
+            <a:chExt cx="4258439" cy="2136082"/>
+          </a:xfrm>
+        </p:grpSpPr>
+        <p:grpSp>
+          <p:nvGrpSpPr>
+            <p:cNvPr id="61" name="Group 92">
+              <a:extLst>
+                <a:ext uri="{FF2B5EF4-FFF2-40B4-BE49-F238E27FC236}">
+                  <a16:creationId xmlns:a16="http://schemas.microsoft.com/office/drawing/2014/main" xmlns="" id="{DB55932F-AC3D-4407-9A11-5B4F2AF3A8AB}"/>
+                </a:ext>
+              </a:extLst>
+            </p:cNvPr>
+            <p:cNvGrpSpPr/>
+            <p:nvPr/>
+          </p:nvGrpSpPr>
+          <p:grpSpPr>
+            <a:xfrm>
+              <a:off x="1170969" y="4708840"/>
+              <a:ext cx="4206845" cy="2084488"/>
+              <a:chOff x="2092042" y="-2108701"/>
+              <a:chExt cx="4136272" cy="2084488"/>
+            </a:xfrm>
+          </p:grpSpPr>
+          <p:sp>
+            <p:nvSpPr>
+              <p:cNvPr id="64" name="Rectangle: Rounded Corners 94">
+                <a:extLst>
+                  <a:ext uri="{FF2B5EF4-FFF2-40B4-BE49-F238E27FC236}">
+                    <a16:creationId xmlns:a16="http://schemas.microsoft.com/office/drawing/2014/main" xmlns="" id="{A9DFD0C8-65FB-4636-BEB4-3EB42B236CAC}"/>
+                  </a:ext>
+                </a:extLst>
+              </p:cNvPr>
+              <p:cNvSpPr/>
+              <p:nvPr/>
+            </p:nvSpPr>
+            <p:spPr>
+              <a:xfrm>
+                <a:off x="4270983" y="-1025132"/>
                 <a:ext cx="1957331" cy="1000919"/>
               </a:xfrm>
               <a:prstGeom prst="roundRect">
@@ -4506,24 +4692,24 @@
           </p:sp>
           <p:cxnSp>
             <p:nvCxnSpPr>
-              <p:cNvPr id="96" name="Straight Connector 95">
+              <p:cNvPr id="65" name="Straight Connector 95">
                 <a:extLst>
                   <a:ext uri="{FF2B5EF4-FFF2-40B4-BE49-F238E27FC236}">
-                    <a16:creationId xmlns:a16="http://schemas.microsoft.com/office/drawing/2014/main" id="{9900560F-47B0-4B3E-A37E-989073697E5E}"/>
+                    <a16:creationId xmlns:a16="http://schemas.microsoft.com/office/drawing/2014/main" xmlns="" id="{9900560F-47B0-4B3E-A37E-989073697E5E}"/>
                   </a:ext>
                 </a:extLst>
               </p:cNvPr>
               <p:cNvCxnSpPr>
                 <a:cxnSpLocks/>
-                <a:stCxn id="95" idx="1"/>
-                <a:endCxn id="94" idx="1"/>
+                <a:stCxn id="64" idx="1"/>
+                <a:endCxn id="63" idx="1"/>
               </p:cNvCxnSpPr>
               <p:nvPr/>
             </p:nvCxnSpPr>
             <p:spPr>
               <a:xfrm flipH="1" flipV="1">
-                <a:off x="2609356" y="-2318863"/>
-                <a:ext cx="1851081" cy="603630"/>
+                <a:off x="2092042" y="-2108701"/>
+                <a:ext cx="2178941" cy="1584029"/>
               </a:xfrm>
               <a:prstGeom prst="line">
                 <a:avLst/>
@@ -4548,10 +4734,10 @@
         </p:grpSp>
         <p:sp>
           <p:nvSpPr>
-            <p:cNvPr id="94" name="Arc 93">
+            <p:cNvPr id="63" name="Arc 93">
               <a:extLst>
                 <a:ext uri="{FF2B5EF4-FFF2-40B4-BE49-F238E27FC236}">
-                  <a16:creationId xmlns:a16="http://schemas.microsoft.com/office/drawing/2014/main" id="{F095A548-7AFE-4F23-83FC-6BBDAB90B685}"/>
+                  <a16:creationId xmlns:a16="http://schemas.microsoft.com/office/drawing/2014/main" xmlns="" id="{F095A548-7AFE-4F23-83FC-6BBDAB90B685}"/>
                 </a:ext>
               </a:extLst>
             </p:cNvPr>
@@ -4560,7 +4746,7 @@
           </p:nvSpPr>
           <p:spPr>
             <a:xfrm>
-              <a:off x="1645516" y="4447084"/>
+              <a:off x="1119375" y="4657246"/>
               <a:ext cx="103187" cy="103187"/>
             </a:xfrm>
             <a:prstGeom prst="arc">
@@ -4620,7 +4806,7 @@
   <a:themeElements>
     <a:clrScheme name="Office">
       <a:dk1>
-        <a:sysClr val="windowText" lastClr="000000"/>
+        <a:sysClr val="windowText" lastClr="565656"/>
       </a:dk1>
       <a:lt1>
         <a:sysClr val="window" lastClr="FFFFFF"/>

--- a/images/IdeDescription.pptx
+++ b/images/IdeDescription.pptx
@@ -134,7 +134,7 @@
           <p:cNvPr id="2" name="Title 1">
             <a:extLst>
               <a:ext uri="{FF2B5EF4-FFF2-40B4-BE49-F238E27FC236}">
-                <a16:creationId xmlns:a16="http://schemas.microsoft.com/office/drawing/2014/main" xmlns="" id="{BE6C20F1-8B08-4958-A0A2-8163AF72845F}"/>
+                <a16:creationId xmlns:a16="http://schemas.microsoft.com/office/drawing/2014/main" id="{BE6C20F1-8B08-4958-A0A2-8163AF72845F}"/>
               </a:ext>
             </a:extLst>
           </p:cNvPr>
@@ -172,7 +172,7 @@
           <p:cNvPr id="3" name="Subtitle 2">
             <a:extLst>
               <a:ext uri="{FF2B5EF4-FFF2-40B4-BE49-F238E27FC236}">
-                <a16:creationId xmlns:a16="http://schemas.microsoft.com/office/drawing/2014/main" xmlns="" id="{03A7334B-E58B-4A36-ACC3-C146D2969093}"/>
+                <a16:creationId xmlns:a16="http://schemas.microsoft.com/office/drawing/2014/main" id="{03A7334B-E58B-4A36-ACC3-C146D2969093}"/>
               </a:ext>
             </a:extLst>
           </p:cNvPr>
@@ -243,7 +243,7 @@
           <p:cNvPr id="4" name="Date Placeholder 3">
             <a:extLst>
               <a:ext uri="{FF2B5EF4-FFF2-40B4-BE49-F238E27FC236}">
-                <a16:creationId xmlns:a16="http://schemas.microsoft.com/office/drawing/2014/main" xmlns="" id="{D9CC83BB-9D6F-41E9-8379-742894D2CCE1}"/>
+                <a16:creationId xmlns:a16="http://schemas.microsoft.com/office/drawing/2014/main" id="{D9CC83BB-9D6F-41E9-8379-742894D2CCE1}"/>
               </a:ext>
             </a:extLst>
           </p:cNvPr>
@@ -261,7 +261,7 @@
           <a:p>
             <a:fld id="{D45E1CC4-4A64-4A22-87DA-941B055B68EA}" type="datetimeFigureOut">
               <a:rPr kumimoji="1" lang="ja-JP" altLang="en-US" smtClean="0"/>
-              <a:t>2019/1/13</a:t>
+              <a:t>2019/1/23</a:t>
             </a:fld>
             <a:endParaRPr kumimoji="1" lang="ja-JP" altLang="en-US"/>
           </a:p>
@@ -272,7 +272,7 @@
           <p:cNvPr id="5" name="Footer Placeholder 4">
             <a:extLst>
               <a:ext uri="{FF2B5EF4-FFF2-40B4-BE49-F238E27FC236}">
-                <a16:creationId xmlns:a16="http://schemas.microsoft.com/office/drawing/2014/main" xmlns="" id="{38D7B118-D516-4CD7-99F6-D301FA0CEAF1}"/>
+                <a16:creationId xmlns:a16="http://schemas.microsoft.com/office/drawing/2014/main" id="{38D7B118-D516-4CD7-99F6-D301FA0CEAF1}"/>
               </a:ext>
             </a:extLst>
           </p:cNvPr>
@@ -297,7 +297,7 @@
           <p:cNvPr id="6" name="Slide Number Placeholder 5">
             <a:extLst>
               <a:ext uri="{FF2B5EF4-FFF2-40B4-BE49-F238E27FC236}">
-                <a16:creationId xmlns:a16="http://schemas.microsoft.com/office/drawing/2014/main" xmlns="" id="{AC2B6E2E-685E-410B-B8D4-0130B7A9B815}"/>
+                <a16:creationId xmlns:a16="http://schemas.microsoft.com/office/drawing/2014/main" id="{AC2B6E2E-685E-410B-B8D4-0130B7A9B815}"/>
               </a:ext>
             </a:extLst>
           </p:cNvPr>
@@ -356,7 +356,7 @@
           <p:cNvPr id="2" name="Title 1">
             <a:extLst>
               <a:ext uri="{FF2B5EF4-FFF2-40B4-BE49-F238E27FC236}">
-                <a16:creationId xmlns:a16="http://schemas.microsoft.com/office/drawing/2014/main" xmlns="" id="{138A5ABA-3959-45D1-8139-1FF4FF47130B}"/>
+                <a16:creationId xmlns:a16="http://schemas.microsoft.com/office/drawing/2014/main" id="{138A5ABA-3959-45D1-8139-1FF4FF47130B}"/>
               </a:ext>
             </a:extLst>
           </p:cNvPr>
@@ -385,7 +385,7 @@
           <p:cNvPr id="3" name="Vertical Text Placeholder 2">
             <a:extLst>
               <a:ext uri="{FF2B5EF4-FFF2-40B4-BE49-F238E27FC236}">
-                <a16:creationId xmlns:a16="http://schemas.microsoft.com/office/drawing/2014/main" xmlns="" id="{23A8F88D-0456-4F67-8A54-83DC72EA19EC}"/>
+                <a16:creationId xmlns:a16="http://schemas.microsoft.com/office/drawing/2014/main" id="{23A8F88D-0456-4F67-8A54-83DC72EA19EC}"/>
               </a:ext>
             </a:extLst>
           </p:cNvPr>
@@ -443,7 +443,7 @@
           <p:cNvPr id="4" name="Date Placeholder 3">
             <a:extLst>
               <a:ext uri="{FF2B5EF4-FFF2-40B4-BE49-F238E27FC236}">
-                <a16:creationId xmlns:a16="http://schemas.microsoft.com/office/drawing/2014/main" xmlns="" id="{CD9A7D89-ED88-4340-980D-B1190EAD42D5}"/>
+                <a16:creationId xmlns:a16="http://schemas.microsoft.com/office/drawing/2014/main" id="{CD9A7D89-ED88-4340-980D-B1190EAD42D5}"/>
               </a:ext>
             </a:extLst>
           </p:cNvPr>
@@ -461,7 +461,7 @@
           <a:p>
             <a:fld id="{D45E1CC4-4A64-4A22-87DA-941B055B68EA}" type="datetimeFigureOut">
               <a:rPr kumimoji="1" lang="ja-JP" altLang="en-US" smtClean="0"/>
-              <a:t>2019/1/13</a:t>
+              <a:t>2019/1/23</a:t>
             </a:fld>
             <a:endParaRPr kumimoji="1" lang="ja-JP" altLang="en-US"/>
           </a:p>
@@ -472,7 +472,7 @@
           <p:cNvPr id="5" name="Footer Placeholder 4">
             <a:extLst>
               <a:ext uri="{FF2B5EF4-FFF2-40B4-BE49-F238E27FC236}">
-                <a16:creationId xmlns:a16="http://schemas.microsoft.com/office/drawing/2014/main" xmlns="" id="{E97FB387-33C2-40DF-AECA-53559651E071}"/>
+                <a16:creationId xmlns:a16="http://schemas.microsoft.com/office/drawing/2014/main" id="{E97FB387-33C2-40DF-AECA-53559651E071}"/>
               </a:ext>
             </a:extLst>
           </p:cNvPr>
@@ -497,7 +497,7 @@
           <p:cNvPr id="6" name="Slide Number Placeholder 5">
             <a:extLst>
               <a:ext uri="{FF2B5EF4-FFF2-40B4-BE49-F238E27FC236}">
-                <a16:creationId xmlns:a16="http://schemas.microsoft.com/office/drawing/2014/main" xmlns="" id="{2DD6EED4-4991-44D6-8BC9-14FCFCEDA817}"/>
+                <a16:creationId xmlns:a16="http://schemas.microsoft.com/office/drawing/2014/main" id="{2DD6EED4-4991-44D6-8BC9-14FCFCEDA817}"/>
               </a:ext>
             </a:extLst>
           </p:cNvPr>
@@ -556,7 +556,7 @@
           <p:cNvPr id="2" name="Vertical Title 1">
             <a:extLst>
               <a:ext uri="{FF2B5EF4-FFF2-40B4-BE49-F238E27FC236}">
-                <a16:creationId xmlns:a16="http://schemas.microsoft.com/office/drawing/2014/main" xmlns="" id="{22B1E6D8-8CC4-4287-A509-235807801D72}"/>
+                <a16:creationId xmlns:a16="http://schemas.microsoft.com/office/drawing/2014/main" id="{22B1E6D8-8CC4-4287-A509-235807801D72}"/>
               </a:ext>
             </a:extLst>
           </p:cNvPr>
@@ -590,7 +590,7 @@
           <p:cNvPr id="3" name="Vertical Text Placeholder 2">
             <a:extLst>
               <a:ext uri="{FF2B5EF4-FFF2-40B4-BE49-F238E27FC236}">
-                <a16:creationId xmlns:a16="http://schemas.microsoft.com/office/drawing/2014/main" xmlns="" id="{C5B2CE03-FDC1-4E86-9D31-23AB6E56633B}"/>
+                <a16:creationId xmlns:a16="http://schemas.microsoft.com/office/drawing/2014/main" id="{C5B2CE03-FDC1-4E86-9D31-23AB6E56633B}"/>
               </a:ext>
             </a:extLst>
           </p:cNvPr>
@@ -653,7 +653,7 @@
           <p:cNvPr id="4" name="Date Placeholder 3">
             <a:extLst>
               <a:ext uri="{FF2B5EF4-FFF2-40B4-BE49-F238E27FC236}">
-                <a16:creationId xmlns:a16="http://schemas.microsoft.com/office/drawing/2014/main" xmlns="" id="{C26276A0-A92B-4A9D-BC89-EF374EC776A2}"/>
+                <a16:creationId xmlns:a16="http://schemas.microsoft.com/office/drawing/2014/main" id="{C26276A0-A92B-4A9D-BC89-EF374EC776A2}"/>
               </a:ext>
             </a:extLst>
           </p:cNvPr>
@@ -671,7 +671,7 @@
           <a:p>
             <a:fld id="{D45E1CC4-4A64-4A22-87DA-941B055B68EA}" type="datetimeFigureOut">
               <a:rPr kumimoji="1" lang="ja-JP" altLang="en-US" smtClean="0"/>
-              <a:t>2019/1/13</a:t>
+              <a:t>2019/1/23</a:t>
             </a:fld>
             <a:endParaRPr kumimoji="1" lang="ja-JP" altLang="en-US"/>
           </a:p>
@@ -682,7 +682,7 @@
           <p:cNvPr id="5" name="Footer Placeholder 4">
             <a:extLst>
               <a:ext uri="{FF2B5EF4-FFF2-40B4-BE49-F238E27FC236}">
-                <a16:creationId xmlns:a16="http://schemas.microsoft.com/office/drawing/2014/main" xmlns="" id="{C3343078-482D-4C21-8710-0AD0BEE0694A}"/>
+                <a16:creationId xmlns:a16="http://schemas.microsoft.com/office/drawing/2014/main" id="{C3343078-482D-4C21-8710-0AD0BEE0694A}"/>
               </a:ext>
             </a:extLst>
           </p:cNvPr>
@@ -707,7 +707,7 @@
           <p:cNvPr id="6" name="Slide Number Placeholder 5">
             <a:extLst>
               <a:ext uri="{FF2B5EF4-FFF2-40B4-BE49-F238E27FC236}">
-                <a16:creationId xmlns:a16="http://schemas.microsoft.com/office/drawing/2014/main" xmlns="" id="{6EB49DF5-FD9C-4D81-93C5-640E6B39CEA5}"/>
+                <a16:creationId xmlns:a16="http://schemas.microsoft.com/office/drawing/2014/main" id="{6EB49DF5-FD9C-4D81-93C5-640E6B39CEA5}"/>
               </a:ext>
             </a:extLst>
           </p:cNvPr>
@@ -766,7 +766,7 @@
           <p:cNvPr id="2" name="Title 1">
             <a:extLst>
               <a:ext uri="{FF2B5EF4-FFF2-40B4-BE49-F238E27FC236}">
-                <a16:creationId xmlns:a16="http://schemas.microsoft.com/office/drawing/2014/main" xmlns="" id="{BC70E6F1-3231-400A-A22B-01FB6155FBFC}"/>
+                <a16:creationId xmlns:a16="http://schemas.microsoft.com/office/drawing/2014/main" id="{BC70E6F1-3231-400A-A22B-01FB6155FBFC}"/>
               </a:ext>
             </a:extLst>
           </p:cNvPr>
@@ -795,7 +795,7 @@
           <p:cNvPr id="3" name="Content Placeholder 2">
             <a:extLst>
               <a:ext uri="{FF2B5EF4-FFF2-40B4-BE49-F238E27FC236}">
-                <a16:creationId xmlns:a16="http://schemas.microsoft.com/office/drawing/2014/main" xmlns="" id="{C933AEB9-025A-4EEE-9C3C-71E858B3C252}"/>
+                <a16:creationId xmlns:a16="http://schemas.microsoft.com/office/drawing/2014/main" id="{C933AEB9-025A-4EEE-9C3C-71E858B3C252}"/>
               </a:ext>
             </a:extLst>
           </p:cNvPr>
@@ -853,7 +853,7 @@
           <p:cNvPr id="4" name="Date Placeholder 3">
             <a:extLst>
               <a:ext uri="{FF2B5EF4-FFF2-40B4-BE49-F238E27FC236}">
-                <a16:creationId xmlns:a16="http://schemas.microsoft.com/office/drawing/2014/main" xmlns="" id="{26F8D96C-C201-4B2E-B178-E65A2FF2AF28}"/>
+                <a16:creationId xmlns:a16="http://schemas.microsoft.com/office/drawing/2014/main" id="{26F8D96C-C201-4B2E-B178-E65A2FF2AF28}"/>
               </a:ext>
             </a:extLst>
           </p:cNvPr>
@@ -871,7 +871,7 @@
           <a:p>
             <a:fld id="{D45E1CC4-4A64-4A22-87DA-941B055B68EA}" type="datetimeFigureOut">
               <a:rPr kumimoji="1" lang="ja-JP" altLang="en-US" smtClean="0"/>
-              <a:t>2019/1/13</a:t>
+              <a:t>2019/1/23</a:t>
             </a:fld>
             <a:endParaRPr kumimoji="1" lang="ja-JP" altLang="en-US"/>
           </a:p>
@@ -882,7 +882,7 @@
           <p:cNvPr id="5" name="Footer Placeholder 4">
             <a:extLst>
               <a:ext uri="{FF2B5EF4-FFF2-40B4-BE49-F238E27FC236}">
-                <a16:creationId xmlns:a16="http://schemas.microsoft.com/office/drawing/2014/main" xmlns="" id="{47A92B89-5999-4AB6-9866-31883E7FF3A8}"/>
+                <a16:creationId xmlns:a16="http://schemas.microsoft.com/office/drawing/2014/main" id="{47A92B89-5999-4AB6-9866-31883E7FF3A8}"/>
               </a:ext>
             </a:extLst>
           </p:cNvPr>
@@ -907,7 +907,7 @@
           <p:cNvPr id="6" name="Slide Number Placeholder 5">
             <a:extLst>
               <a:ext uri="{FF2B5EF4-FFF2-40B4-BE49-F238E27FC236}">
-                <a16:creationId xmlns:a16="http://schemas.microsoft.com/office/drawing/2014/main" xmlns="" id="{CF96D225-D862-4FFA-8F17-7C3B5F9C4227}"/>
+                <a16:creationId xmlns:a16="http://schemas.microsoft.com/office/drawing/2014/main" id="{CF96D225-D862-4FFA-8F17-7C3B5F9C4227}"/>
               </a:ext>
             </a:extLst>
           </p:cNvPr>
@@ -966,7 +966,7 @@
           <p:cNvPr id="2" name="Title 1">
             <a:extLst>
               <a:ext uri="{FF2B5EF4-FFF2-40B4-BE49-F238E27FC236}">
-                <a16:creationId xmlns:a16="http://schemas.microsoft.com/office/drawing/2014/main" xmlns="" id="{F7B8100B-0F28-40FD-9866-38FF0939CAAD}"/>
+                <a16:creationId xmlns:a16="http://schemas.microsoft.com/office/drawing/2014/main" id="{F7B8100B-0F28-40FD-9866-38FF0939CAAD}"/>
               </a:ext>
             </a:extLst>
           </p:cNvPr>
@@ -1004,7 +1004,7 @@
           <p:cNvPr id="3" name="Text Placeholder 2">
             <a:extLst>
               <a:ext uri="{FF2B5EF4-FFF2-40B4-BE49-F238E27FC236}">
-                <a16:creationId xmlns:a16="http://schemas.microsoft.com/office/drawing/2014/main" xmlns="" id="{99DF08DE-D2FC-4769-8DF1-755C8C361DE0}"/>
+                <a16:creationId xmlns:a16="http://schemas.microsoft.com/office/drawing/2014/main" id="{99DF08DE-D2FC-4769-8DF1-755C8C361DE0}"/>
               </a:ext>
             </a:extLst>
           </p:cNvPr>
@@ -1129,7 +1129,7 @@
           <p:cNvPr id="4" name="Date Placeholder 3">
             <a:extLst>
               <a:ext uri="{FF2B5EF4-FFF2-40B4-BE49-F238E27FC236}">
-                <a16:creationId xmlns:a16="http://schemas.microsoft.com/office/drawing/2014/main" xmlns="" id="{950586BF-00B3-4DED-977D-5ABAE85D4431}"/>
+                <a16:creationId xmlns:a16="http://schemas.microsoft.com/office/drawing/2014/main" id="{950586BF-00B3-4DED-977D-5ABAE85D4431}"/>
               </a:ext>
             </a:extLst>
           </p:cNvPr>
@@ -1147,7 +1147,7 @@
           <a:p>
             <a:fld id="{D45E1CC4-4A64-4A22-87DA-941B055B68EA}" type="datetimeFigureOut">
               <a:rPr kumimoji="1" lang="ja-JP" altLang="en-US" smtClean="0"/>
-              <a:t>2019/1/13</a:t>
+              <a:t>2019/1/23</a:t>
             </a:fld>
             <a:endParaRPr kumimoji="1" lang="ja-JP" altLang="en-US"/>
           </a:p>
@@ -1158,7 +1158,7 @@
           <p:cNvPr id="5" name="Footer Placeholder 4">
             <a:extLst>
               <a:ext uri="{FF2B5EF4-FFF2-40B4-BE49-F238E27FC236}">
-                <a16:creationId xmlns:a16="http://schemas.microsoft.com/office/drawing/2014/main" xmlns="" id="{6B427EC4-5EE5-40DD-B1A4-9E77CFA85B04}"/>
+                <a16:creationId xmlns:a16="http://schemas.microsoft.com/office/drawing/2014/main" id="{6B427EC4-5EE5-40DD-B1A4-9E77CFA85B04}"/>
               </a:ext>
             </a:extLst>
           </p:cNvPr>
@@ -1183,7 +1183,7 @@
           <p:cNvPr id="6" name="Slide Number Placeholder 5">
             <a:extLst>
               <a:ext uri="{FF2B5EF4-FFF2-40B4-BE49-F238E27FC236}">
-                <a16:creationId xmlns:a16="http://schemas.microsoft.com/office/drawing/2014/main" xmlns="" id="{20E85855-AC27-476B-85B5-2BAA7FBB5E14}"/>
+                <a16:creationId xmlns:a16="http://schemas.microsoft.com/office/drawing/2014/main" id="{20E85855-AC27-476B-85B5-2BAA7FBB5E14}"/>
               </a:ext>
             </a:extLst>
           </p:cNvPr>
@@ -1242,7 +1242,7 @@
           <p:cNvPr id="2" name="Title 1">
             <a:extLst>
               <a:ext uri="{FF2B5EF4-FFF2-40B4-BE49-F238E27FC236}">
-                <a16:creationId xmlns:a16="http://schemas.microsoft.com/office/drawing/2014/main" xmlns="" id="{EB31F3BE-6E37-405E-92F5-AE1382DE6EB2}"/>
+                <a16:creationId xmlns:a16="http://schemas.microsoft.com/office/drawing/2014/main" id="{EB31F3BE-6E37-405E-92F5-AE1382DE6EB2}"/>
               </a:ext>
             </a:extLst>
           </p:cNvPr>
@@ -1271,7 +1271,7 @@
           <p:cNvPr id="3" name="Content Placeholder 2">
             <a:extLst>
               <a:ext uri="{FF2B5EF4-FFF2-40B4-BE49-F238E27FC236}">
-                <a16:creationId xmlns:a16="http://schemas.microsoft.com/office/drawing/2014/main" xmlns="" id="{D1764D22-B846-4643-98F6-420C68F39C03}"/>
+                <a16:creationId xmlns:a16="http://schemas.microsoft.com/office/drawing/2014/main" id="{D1764D22-B846-4643-98F6-420C68F39C03}"/>
               </a:ext>
             </a:extLst>
           </p:cNvPr>
@@ -1334,7 +1334,7 @@
           <p:cNvPr id="4" name="Content Placeholder 3">
             <a:extLst>
               <a:ext uri="{FF2B5EF4-FFF2-40B4-BE49-F238E27FC236}">
-                <a16:creationId xmlns:a16="http://schemas.microsoft.com/office/drawing/2014/main" xmlns="" id="{22398217-3C2A-44D6-B06E-B17E563016AF}"/>
+                <a16:creationId xmlns:a16="http://schemas.microsoft.com/office/drawing/2014/main" id="{22398217-3C2A-44D6-B06E-B17E563016AF}"/>
               </a:ext>
             </a:extLst>
           </p:cNvPr>
@@ -1397,7 +1397,7 @@
           <p:cNvPr id="5" name="Date Placeholder 4">
             <a:extLst>
               <a:ext uri="{FF2B5EF4-FFF2-40B4-BE49-F238E27FC236}">
-                <a16:creationId xmlns:a16="http://schemas.microsoft.com/office/drawing/2014/main" xmlns="" id="{0A658F5B-F7A2-4CBF-9AE5-A32769208BBB}"/>
+                <a16:creationId xmlns:a16="http://schemas.microsoft.com/office/drawing/2014/main" id="{0A658F5B-F7A2-4CBF-9AE5-A32769208BBB}"/>
               </a:ext>
             </a:extLst>
           </p:cNvPr>
@@ -1415,7 +1415,7 @@
           <a:p>
             <a:fld id="{D45E1CC4-4A64-4A22-87DA-941B055B68EA}" type="datetimeFigureOut">
               <a:rPr kumimoji="1" lang="ja-JP" altLang="en-US" smtClean="0"/>
-              <a:t>2019/1/13</a:t>
+              <a:t>2019/1/23</a:t>
             </a:fld>
             <a:endParaRPr kumimoji="1" lang="ja-JP" altLang="en-US"/>
           </a:p>
@@ -1426,7 +1426,7 @@
           <p:cNvPr id="6" name="Footer Placeholder 5">
             <a:extLst>
               <a:ext uri="{FF2B5EF4-FFF2-40B4-BE49-F238E27FC236}">
-                <a16:creationId xmlns:a16="http://schemas.microsoft.com/office/drawing/2014/main" xmlns="" id="{FDE7C7D9-CE14-4B09-8BB0-E850C171F3DE}"/>
+                <a16:creationId xmlns:a16="http://schemas.microsoft.com/office/drawing/2014/main" id="{FDE7C7D9-CE14-4B09-8BB0-E850C171F3DE}"/>
               </a:ext>
             </a:extLst>
           </p:cNvPr>
@@ -1451,7 +1451,7 @@
           <p:cNvPr id="7" name="Slide Number Placeholder 6">
             <a:extLst>
               <a:ext uri="{FF2B5EF4-FFF2-40B4-BE49-F238E27FC236}">
-                <a16:creationId xmlns:a16="http://schemas.microsoft.com/office/drawing/2014/main" xmlns="" id="{CF644957-DCA5-4949-BD11-7A5B49B4AB70}"/>
+                <a16:creationId xmlns:a16="http://schemas.microsoft.com/office/drawing/2014/main" id="{CF644957-DCA5-4949-BD11-7A5B49B4AB70}"/>
               </a:ext>
             </a:extLst>
           </p:cNvPr>
@@ -1510,7 +1510,7 @@
           <p:cNvPr id="2" name="Title 1">
             <a:extLst>
               <a:ext uri="{FF2B5EF4-FFF2-40B4-BE49-F238E27FC236}">
-                <a16:creationId xmlns:a16="http://schemas.microsoft.com/office/drawing/2014/main" xmlns="" id="{AF233C08-0DEE-47F1-AC51-894B6F906E0D}"/>
+                <a16:creationId xmlns:a16="http://schemas.microsoft.com/office/drawing/2014/main" id="{AF233C08-0DEE-47F1-AC51-894B6F906E0D}"/>
               </a:ext>
             </a:extLst>
           </p:cNvPr>
@@ -1544,7 +1544,7 @@
           <p:cNvPr id="3" name="Text Placeholder 2">
             <a:extLst>
               <a:ext uri="{FF2B5EF4-FFF2-40B4-BE49-F238E27FC236}">
-                <a16:creationId xmlns:a16="http://schemas.microsoft.com/office/drawing/2014/main" xmlns="" id="{EDF4B6C4-39C2-4E61-A6A4-327E3339575B}"/>
+                <a16:creationId xmlns:a16="http://schemas.microsoft.com/office/drawing/2014/main" id="{EDF4B6C4-39C2-4E61-A6A4-327E3339575B}"/>
               </a:ext>
             </a:extLst>
           </p:cNvPr>
@@ -1615,7 +1615,7 @@
           <p:cNvPr id="4" name="Content Placeholder 3">
             <a:extLst>
               <a:ext uri="{FF2B5EF4-FFF2-40B4-BE49-F238E27FC236}">
-                <a16:creationId xmlns:a16="http://schemas.microsoft.com/office/drawing/2014/main" xmlns="" id="{8D7598E7-3E81-4CA1-B214-BADD705B0A36}"/>
+                <a16:creationId xmlns:a16="http://schemas.microsoft.com/office/drawing/2014/main" id="{8D7598E7-3E81-4CA1-B214-BADD705B0A36}"/>
               </a:ext>
             </a:extLst>
           </p:cNvPr>
@@ -1678,7 +1678,7 @@
           <p:cNvPr id="5" name="Text Placeholder 4">
             <a:extLst>
               <a:ext uri="{FF2B5EF4-FFF2-40B4-BE49-F238E27FC236}">
-                <a16:creationId xmlns:a16="http://schemas.microsoft.com/office/drawing/2014/main" xmlns="" id="{E58090D5-D1C3-41E5-80BB-DB1231A2F578}"/>
+                <a16:creationId xmlns:a16="http://schemas.microsoft.com/office/drawing/2014/main" id="{E58090D5-D1C3-41E5-80BB-DB1231A2F578}"/>
               </a:ext>
             </a:extLst>
           </p:cNvPr>
@@ -1749,7 +1749,7 @@
           <p:cNvPr id="6" name="Content Placeholder 5">
             <a:extLst>
               <a:ext uri="{FF2B5EF4-FFF2-40B4-BE49-F238E27FC236}">
-                <a16:creationId xmlns:a16="http://schemas.microsoft.com/office/drawing/2014/main" xmlns="" id="{59D508F3-98FF-4DB6-AEAB-02E510864293}"/>
+                <a16:creationId xmlns:a16="http://schemas.microsoft.com/office/drawing/2014/main" id="{59D508F3-98FF-4DB6-AEAB-02E510864293}"/>
               </a:ext>
             </a:extLst>
           </p:cNvPr>
@@ -1812,7 +1812,7 @@
           <p:cNvPr id="7" name="Date Placeholder 6">
             <a:extLst>
               <a:ext uri="{FF2B5EF4-FFF2-40B4-BE49-F238E27FC236}">
-                <a16:creationId xmlns:a16="http://schemas.microsoft.com/office/drawing/2014/main" xmlns="" id="{103868AD-2D17-4370-8214-041D24C6E9DE}"/>
+                <a16:creationId xmlns:a16="http://schemas.microsoft.com/office/drawing/2014/main" id="{103868AD-2D17-4370-8214-041D24C6E9DE}"/>
               </a:ext>
             </a:extLst>
           </p:cNvPr>
@@ -1830,7 +1830,7 @@
           <a:p>
             <a:fld id="{D45E1CC4-4A64-4A22-87DA-941B055B68EA}" type="datetimeFigureOut">
               <a:rPr kumimoji="1" lang="ja-JP" altLang="en-US" smtClean="0"/>
-              <a:t>2019/1/13</a:t>
+              <a:t>2019/1/23</a:t>
             </a:fld>
             <a:endParaRPr kumimoji="1" lang="ja-JP" altLang="en-US"/>
           </a:p>
@@ -1841,7 +1841,7 @@
           <p:cNvPr id="8" name="Footer Placeholder 7">
             <a:extLst>
               <a:ext uri="{FF2B5EF4-FFF2-40B4-BE49-F238E27FC236}">
-                <a16:creationId xmlns:a16="http://schemas.microsoft.com/office/drawing/2014/main" xmlns="" id="{494D4438-5319-4B94-ABE7-C89CB62BDC41}"/>
+                <a16:creationId xmlns:a16="http://schemas.microsoft.com/office/drawing/2014/main" id="{494D4438-5319-4B94-ABE7-C89CB62BDC41}"/>
               </a:ext>
             </a:extLst>
           </p:cNvPr>
@@ -1866,7 +1866,7 @@
           <p:cNvPr id="9" name="Slide Number Placeholder 8">
             <a:extLst>
               <a:ext uri="{FF2B5EF4-FFF2-40B4-BE49-F238E27FC236}">
-                <a16:creationId xmlns:a16="http://schemas.microsoft.com/office/drawing/2014/main" xmlns="" id="{D3EAEA27-74C1-4479-A6C7-FB68EF8D268F}"/>
+                <a16:creationId xmlns:a16="http://schemas.microsoft.com/office/drawing/2014/main" id="{D3EAEA27-74C1-4479-A6C7-FB68EF8D268F}"/>
               </a:ext>
             </a:extLst>
           </p:cNvPr>
@@ -1925,7 +1925,7 @@
           <p:cNvPr id="2" name="Title 1">
             <a:extLst>
               <a:ext uri="{FF2B5EF4-FFF2-40B4-BE49-F238E27FC236}">
-                <a16:creationId xmlns:a16="http://schemas.microsoft.com/office/drawing/2014/main" xmlns="" id="{3A238863-580A-4EE2-B7E1-DA49FDAC66A5}"/>
+                <a16:creationId xmlns:a16="http://schemas.microsoft.com/office/drawing/2014/main" id="{3A238863-580A-4EE2-B7E1-DA49FDAC66A5}"/>
               </a:ext>
             </a:extLst>
           </p:cNvPr>
@@ -1954,7 +1954,7 @@
           <p:cNvPr id="3" name="Date Placeholder 2">
             <a:extLst>
               <a:ext uri="{FF2B5EF4-FFF2-40B4-BE49-F238E27FC236}">
-                <a16:creationId xmlns:a16="http://schemas.microsoft.com/office/drawing/2014/main" xmlns="" id="{3358B667-BC1E-4230-BD4A-5ADD09E221E2}"/>
+                <a16:creationId xmlns:a16="http://schemas.microsoft.com/office/drawing/2014/main" id="{3358B667-BC1E-4230-BD4A-5ADD09E221E2}"/>
               </a:ext>
             </a:extLst>
           </p:cNvPr>
@@ -1972,7 +1972,7 @@
           <a:p>
             <a:fld id="{D45E1CC4-4A64-4A22-87DA-941B055B68EA}" type="datetimeFigureOut">
               <a:rPr kumimoji="1" lang="ja-JP" altLang="en-US" smtClean="0"/>
-              <a:t>2019/1/13</a:t>
+              <a:t>2019/1/23</a:t>
             </a:fld>
             <a:endParaRPr kumimoji="1" lang="ja-JP" altLang="en-US"/>
           </a:p>
@@ -1983,7 +1983,7 @@
           <p:cNvPr id="4" name="Footer Placeholder 3">
             <a:extLst>
               <a:ext uri="{FF2B5EF4-FFF2-40B4-BE49-F238E27FC236}">
-                <a16:creationId xmlns:a16="http://schemas.microsoft.com/office/drawing/2014/main" xmlns="" id="{DD10091A-A07C-43DB-981C-1FE8C4259EFC}"/>
+                <a16:creationId xmlns:a16="http://schemas.microsoft.com/office/drawing/2014/main" id="{DD10091A-A07C-43DB-981C-1FE8C4259EFC}"/>
               </a:ext>
             </a:extLst>
           </p:cNvPr>
@@ -2008,7 +2008,7 @@
           <p:cNvPr id="5" name="Slide Number Placeholder 4">
             <a:extLst>
               <a:ext uri="{FF2B5EF4-FFF2-40B4-BE49-F238E27FC236}">
-                <a16:creationId xmlns:a16="http://schemas.microsoft.com/office/drawing/2014/main" xmlns="" id="{D68F7D12-6F1B-40A8-8F06-49116A2762B5}"/>
+                <a16:creationId xmlns:a16="http://schemas.microsoft.com/office/drawing/2014/main" id="{D68F7D12-6F1B-40A8-8F06-49116A2762B5}"/>
               </a:ext>
             </a:extLst>
           </p:cNvPr>
@@ -2067,7 +2067,7 @@
           <p:cNvPr id="2" name="Date Placeholder 1">
             <a:extLst>
               <a:ext uri="{FF2B5EF4-FFF2-40B4-BE49-F238E27FC236}">
-                <a16:creationId xmlns:a16="http://schemas.microsoft.com/office/drawing/2014/main" xmlns="" id="{BB21999D-AA4D-4A38-858F-1BFA80CCE0FE}"/>
+                <a16:creationId xmlns:a16="http://schemas.microsoft.com/office/drawing/2014/main" id="{BB21999D-AA4D-4A38-858F-1BFA80CCE0FE}"/>
               </a:ext>
             </a:extLst>
           </p:cNvPr>
@@ -2085,7 +2085,7 @@
           <a:p>
             <a:fld id="{D45E1CC4-4A64-4A22-87DA-941B055B68EA}" type="datetimeFigureOut">
               <a:rPr kumimoji="1" lang="ja-JP" altLang="en-US" smtClean="0"/>
-              <a:t>2019/1/13</a:t>
+              <a:t>2019/1/23</a:t>
             </a:fld>
             <a:endParaRPr kumimoji="1" lang="ja-JP" altLang="en-US"/>
           </a:p>
@@ -2096,7 +2096,7 @@
           <p:cNvPr id="3" name="Footer Placeholder 2">
             <a:extLst>
               <a:ext uri="{FF2B5EF4-FFF2-40B4-BE49-F238E27FC236}">
-                <a16:creationId xmlns:a16="http://schemas.microsoft.com/office/drawing/2014/main" xmlns="" id="{A3A751D5-914D-451D-950F-465739AF3B97}"/>
+                <a16:creationId xmlns:a16="http://schemas.microsoft.com/office/drawing/2014/main" id="{A3A751D5-914D-451D-950F-465739AF3B97}"/>
               </a:ext>
             </a:extLst>
           </p:cNvPr>
@@ -2121,7 +2121,7 @@
           <p:cNvPr id="4" name="Slide Number Placeholder 3">
             <a:extLst>
               <a:ext uri="{FF2B5EF4-FFF2-40B4-BE49-F238E27FC236}">
-                <a16:creationId xmlns:a16="http://schemas.microsoft.com/office/drawing/2014/main" xmlns="" id="{7D6C45AD-7E1B-497E-ABFA-5A1FF1177BFD}"/>
+                <a16:creationId xmlns:a16="http://schemas.microsoft.com/office/drawing/2014/main" id="{7D6C45AD-7E1B-497E-ABFA-5A1FF1177BFD}"/>
               </a:ext>
             </a:extLst>
           </p:cNvPr>
@@ -2180,7 +2180,7 @@
           <p:cNvPr id="2" name="Title 1">
             <a:extLst>
               <a:ext uri="{FF2B5EF4-FFF2-40B4-BE49-F238E27FC236}">
-                <a16:creationId xmlns:a16="http://schemas.microsoft.com/office/drawing/2014/main" xmlns="" id="{83913324-DBE3-4525-AA9E-8A79FAE8D925}"/>
+                <a16:creationId xmlns:a16="http://schemas.microsoft.com/office/drawing/2014/main" id="{83913324-DBE3-4525-AA9E-8A79FAE8D925}"/>
               </a:ext>
             </a:extLst>
           </p:cNvPr>
@@ -2218,7 +2218,7 @@
           <p:cNvPr id="3" name="Content Placeholder 2">
             <a:extLst>
               <a:ext uri="{FF2B5EF4-FFF2-40B4-BE49-F238E27FC236}">
-                <a16:creationId xmlns:a16="http://schemas.microsoft.com/office/drawing/2014/main" xmlns="" id="{73CF3333-F2C5-40FD-ABD8-ECBA55B18A52}"/>
+                <a16:creationId xmlns:a16="http://schemas.microsoft.com/office/drawing/2014/main" id="{73CF3333-F2C5-40FD-ABD8-ECBA55B18A52}"/>
               </a:ext>
             </a:extLst>
           </p:cNvPr>
@@ -2309,7 +2309,7 @@
           <p:cNvPr id="4" name="Text Placeholder 3">
             <a:extLst>
               <a:ext uri="{FF2B5EF4-FFF2-40B4-BE49-F238E27FC236}">
-                <a16:creationId xmlns:a16="http://schemas.microsoft.com/office/drawing/2014/main" xmlns="" id="{E1FB31B4-C23A-4033-8A03-8F7AB8A569E5}"/>
+                <a16:creationId xmlns:a16="http://schemas.microsoft.com/office/drawing/2014/main" id="{E1FB31B4-C23A-4033-8A03-8F7AB8A569E5}"/>
               </a:ext>
             </a:extLst>
           </p:cNvPr>
@@ -2380,7 +2380,7 @@
           <p:cNvPr id="5" name="Date Placeholder 4">
             <a:extLst>
               <a:ext uri="{FF2B5EF4-FFF2-40B4-BE49-F238E27FC236}">
-                <a16:creationId xmlns:a16="http://schemas.microsoft.com/office/drawing/2014/main" xmlns="" id="{9A87C9AF-F835-43E5-9C8B-839B0ECA6ECA}"/>
+                <a16:creationId xmlns:a16="http://schemas.microsoft.com/office/drawing/2014/main" id="{9A87C9AF-F835-43E5-9C8B-839B0ECA6ECA}"/>
               </a:ext>
             </a:extLst>
           </p:cNvPr>
@@ -2398,7 +2398,7 @@
           <a:p>
             <a:fld id="{D45E1CC4-4A64-4A22-87DA-941B055B68EA}" type="datetimeFigureOut">
               <a:rPr kumimoji="1" lang="ja-JP" altLang="en-US" smtClean="0"/>
-              <a:t>2019/1/13</a:t>
+              <a:t>2019/1/23</a:t>
             </a:fld>
             <a:endParaRPr kumimoji="1" lang="ja-JP" altLang="en-US"/>
           </a:p>
@@ -2409,7 +2409,7 @@
           <p:cNvPr id="6" name="Footer Placeholder 5">
             <a:extLst>
               <a:ext uri="{FF2B5EF4-FFF2-40B4-BE49-F238E27FC236}">
-                <a16:creationId xmlns:a16="http://schemas.microsoft.com/office/drawing/2014/main" xmlns="" id="{7689E899-EA1B-40A0-A776-973E938B5446}"/>
+                <a16:creationId xmlns:a16="http://schemas.microsoft.com/office/drawing/2014/main" id="{7689E899-EA1B-40A0-A776-973E938B5446}"/>
               </a:ext>
             </a:extLst>
           </p:cNvPr>
@@ -2434,7 +2434,7 @@
           <p:cNvPr id="7" name="Slide Number Placeholder 6">
             <a:extLst>
               <a:ext uri="{FF2B5EF4-FFF2-40B4-BE49-F238E27FC236}">
-                <a16:creationId xmlns:a16="http://schemas.microsoft.com/office/drawing/2014/main" xmlns="" id="{6355CD75-36D1-4B46-B6CF-0E131ED7364A}"/>
+                <a16:creationId xmlns:a16="http://schemas.microsoft.com/office/drawing/2014/main" id="{6355CD75-36D1-4B46-B6CF-0E131ED7364A}"/>
               </a:ext>
             </a:extLst>
           </p:cNvPr>
@@ -2493,7 +2493,7 @@
           <p:cNvPr id="2" name="Title 1">
             <a:extLst>
               <a:ext uri="{FF2B5EF4-FFF2-40B4-BE49-F238E27FC236}">
-                <a16:creationId xmlns:a16="http://schemas.microsoft.com/office/drawing/2014/main" xmlns="" id="{C454DCBC-E965-4177-8F25-40D798FEE58B}"/>
+                <a16:creationId xmlns:a16="http://schemas.microsoft.com/office/drawing/2014/main" id="{C454DCBC-E965-4177-8F25-40D798FEE58B}"/>
               </a:ext>
             </a:extLst>
           </p:cNvPr>
@@ -2531,7 +2531,7 @@
           <p:cNvPr id="3" name="Picture Placeholder 2">
             <a:extLst>
               <a:ext uri="{FF2B5EF4-FFF2-40B4-BE49-F238E27FC236}">
-                <a16:creationId xmlns:a16="http://schemas.microsoft.com/office/drawing/2014/main" xmlns="" id="{2D621702-69B0-471A-A065-AD914C0B737A}"/>
+                <a16:creationId xmlns:a16="http://schemas.microsoft.com/office/drawing/2014/main" id="{2D621702-69B0-471A-A065-AD914C0B737A}"/>
               </a:ext>
             </a:extLst>
           </p:cNvPr>
@@ -2598,7 +2598,7 @@
           <p:cNvPr id="4" name="Text Placeholder 3">
             <a:extLst>
               <a:ext uri="{FF2B5EF4-FFF2-40B4-BE49-F238E27FC236}">
-                <a16:creationId xmlns:a16="http://schemas.microsoft.com/office/drawing/2014/main" xmlns="" id="{25E1F0C4-AF8F-415A-AD72-305C23D0FE51}"/>
+                <a16:creationId xmlns:a16="http://schemas.microsoft.com/office/drawing/2014/main" id="{25E1F0C4-AF8F-415A-AD72-305C23D0FE51}"/>
               </a:ext>
             </a:extLst>
           </p:cNvPr>
@@ -2669,7 +2669,7 @@
           <p:cNvPr id="5" name="Date Placeholder 4">
             <a:extLst>
               <a:ext uri="{FF2B5EF4-FFF2-40B4-BE49-F238E27FC236}">
-                <a16:creationId xmlns:a16="http://schemas.microsoft.com/office/drawing/2014/main" xmlns="" id="{1581B668-E211-4E92-90D1-9284341DE939}"/>
+                <a16:creationId xmlns:a16="http://schemas.microsoft.com/office/drawing/2014/main" id="{1581B668-E211-4E92-90D1-9284341DE939}"/>
               </a:ext>
             </a:extLst>
           </p:cNvPr>
@@ -2687,7 +2687,7 @@
           <a:p>
             <a:fld id="{D45E1CC4-4A64-4A22-87DA-941B055B68EA}" type="datetimeFigureOut">
               <a:rPr kumimoji="1" lang="ja-JP" altLang="en-US" smtClean="0"/>
-              <a:t>2019/1/13</a:t>
+              <a:t>2019/1/23</a:t>
             </a:fld>
             <a:endParaRPr kumimoji="1" lang="ja-JP" altLang="en-US"/>
           </a:p>
@@ -2698,7 +2698,7 @@
           <p:cNvPr id="6" name="Footer Placeholder 5">
             <a:extLst>
               <a:ext uri="{FF2B5EF4-FFF2-40B4-BE49-F238E27FC236}">
-                <a16:creationId xmlns:a16="http://schemas.microsoft.com/office/drawing/2014/main" xmlns="" id="{28B3E962-0AFB-42CA-A8F6-7808AF2BC93B}"/>
+                <a16:creationId xmlns:a16="http://schemas.microsoft.com/office/drawing/2014/main" id="{28B3E962-0AFB-42CA-A8F6-7808AF2BC93B}"/>
               </a:ext>
             </a:extLst>
           </p:cNvPr>
@@ -2723,7 +2723,7 @@
           <p:cNvPr id="7" name="Slide Number Placeholder 6">
             <a:extLst>
               <a:ext uri="{FF2B5EF4-FFF2-40B4-BE49-F238E27FC236}">
-                <a16:creationId xmlns:a16="http://schemas.microsoft.com/office/drawing/2014/main" xmlns="" id="{4FF6243A-EFD5-4211-902D-73D3EE8062A7}"/>
+                <a16:creationId xmlns:a16="http://schemas.microsoft.com/office/drawing/2014/main" id="{4FF6243A-EFD5-4211-902D-73D3EE8062A7}"/>
               </a:ext>
             </a:extLst>
           </p:cNvPr>
@@ -2787,7 +2787,7 @@
           <p:cNvPr id="2" name="Title Placeholder 1">
             <a:extLst>
               <a:ext uri="{FF2B5EF4-FFF2-40B4-BE49-F238E27FC236}">
-                <a16:creationId xmlns:a16="http://schemas.microsoft.com/office/drawing/2014/main" xmlns="" id="{29846FBC-2458-4EFA-A31A-DF3E5172E5FA}"/>
+                <a16:creationId xmlns:a16="http://schemas.microsoft.com/office/drawing/2014/main" id="{29846FBC-2458-4EFA-A31A-DF3E5172E5FA}"/>
               </a:ext>
             </a:extLst>
           </p:cNvPr>
@@ -2826,7 +2826,7 @@
           <p:cNvPr id="3" name="Text Placeholder 2">
             <a:extLst>
               <a:ext uri="{FF2B5EF4-FFF2-40B4-BE49-F238E27FC236}">
-                <a16:creationId xmlns:a16="http://schemas.microsoft.com/office/drawing/2014/main" xmlns="" id="{953FBBBE-5840-4A30-B159-4623B354F296}"/>
+                <a16:creationId xmlns:a16="http://schemas.microsoft.com/office/drawing/2014/main" id="{953FBBBE-5840-4A30-B159-4623B354F296}"/>
               </a:ext>
             </a:extLst>
           </p:cNvPr>
@@ -2894,7 +2894,7 @@
           <p:cNvPr id="4" name="Date Placeholder 3">
             <a:extLst>
               <a:ext uri="{FF2B5EF4-FFF2-40B4-BE49-F238E27FC236}">
-                <a16:creationId xmlns:a16="http://schemas.microsoft.com/office/drawing/2014/main" xmlns="" id="{F2B47DFC-92A4-4517-BB3F-EA07A1FA3C0B}"/>
+                <a16:creationId xmlns:a16="http://schemas.microsoft.com/office/drawing/2014/main" id="{F2B47DFC-92A4-4517-BB3F-EA07A1FA3C0B}"/>
               </a:ext>
             </a:extLst>
           </p:cNvPr>
@@ -2930,7 +2930,7 @@
           <a:p>
             <a:fld id="{D45E1CC4-4A64-4A22-87DA-941B055B68EA}" type="datetimeFigureOut">
               <a:rPr kumimoji="1" lang="ja-JP" altLang="en-US" smtClean="0"/>
-              <a:t>2019/1/13</a:t>
+              <a:t>2019/1/23</a:t>
             </a:fld>
             <a:endParaRPr kumimoji="1" lang="ja-JP" altLang="en-US"/>
           </a:p>
@@ -2941,7 +2941,7 @@
           <p:cNvPr id="5" name="Footer Placeholder 4">
             <a:extLst>
               <a:ext uri="{FF2B5EF4-FFF2-40B4-BE49-F238E27FC236}">
-                <a16:creationId xmlns:a16="http://schemas.microsoft.com/office/drawing/2014/main" xmlns="" id="{E73D1FFB-425D-4B08-84CC-72E46DED955A}"/>
+                <a16:creationId xmlns:a16="http://schemas.microsoft.com/office/drawing/2014/main" id="{E73D1FFB-425D-4B08-84CC-72E46DED955A}"/>
               </a:ext>
             </a:extLst>
           </p:cNvPr>
@@ -2984,7 +2984,7 @@
           <p:cNvPr id="6" name="Slide Number Placeholder 5">
             <a:extLst>
               <a:ext uri="{FF2B5EF4-FFF2-40B4-BE49-F238E27FC236}">
-                <a16:creationId xmlns:a16="http://schemas.microsoft.com/office/drawing/2014/main" xmlns="" id="{CC8D32AB-4175-40FB-B1D3-9335ECC9AAE3}"/>
+                <a16:creationId xmlns:a16="http://schemas.microsoft.com/office/drawing/2014/main" id="{CC8D32AB-4175-40FB-B1D3-9335ECC9AAE3}"/>
               </a:ext>
             </a:extLst>
           </p:cNvPr>
@@ -3349,7 +3349,13 @@
       </p:grpSpPr>
       <p:pic>
         <p:nvPicPr>
-          <p:cNvPr id="4" name="図 3"/>
+          <p:cNvPr id="5" name="Picture 4">
+            <a:extLst>
+              <a:ext uri="{FF2B5EF4-FFF2-40B4-BE49-F238E27FC236}">
+                <a16:creationId xmlns:a16="http://schemas.microsoft.com/office/drawing/2014/main" id="{34273CA7-3684-4BDE-83FA-F113B145B0D4}"/>
+              </a:ext>
+            </a:extLst>
+          </p:cNvPr>
           <p:cNvPicPr>
             <a:picLocks noChangeAspect="1"/>
           </p:cNvPicPr>
@@ -3369,8 +3375,8 @@
         </p:blipFill>
         <p:spPr>
           <a:xfrm>
-            <a:off x="2966544" y="1509014"/>
-            <a:ext cx="5784103" cy="4061477"/>
+            <a:off x="2445468" y="947110"/>
+            <a:ext cx="6924675" cy="4610100"/>
           </a:xfrm>
           <a:prstGeom prst="rect">
             <a:avLst/>
@@ -3382,7 +3388,7 @@
           <p:cNvPr id="9" name="Group 8">
             <a:extLst>
               <a:ext uri="{FF2B5EF4-FFF2-40B4-BE49-F238E27FC236}">
-                <a16:creationId xmlns:a16="http://schemas.microsoft.com/office/drawing/2014/main" xmlns="" id="{44528237-CCCC-406F-A990-97BE27BD0B81}"/>
+                <a16:creationId xmlns:a16="http://schemas.microsoft.com/office/drawing/2014/main" id="{44528237-CCCC-406F-A990-97BE27BD0B81}"/>
               </a:ext>
             </a:extLst>
           </p:cNvPr>
@@ -3391,10 +3397,10 @@
         </p:nvGrpSpPr>
         <p:grpSpPr>
           <a:xfrm>
-            <a:off x="879474" y="309563"/>
-            <a:ext cx="7616826" cy="1771248"/>
+            <a:off x="715068" y="98695"/>
+            <a:ext cx="7616826" cy="1145203"/>
             <a:chOff x="879475" y="309563"/>
-            <a:chExt cx="7489050" cy="1771248"/>
+            <a:chExt cx="7489050" cy="1145203"/>
           </a:xfrm>
         </p:grpSpPr>
         <p:sp>
@@ -3402,7 +3408,7 @@
             <p:cNvPr id="6" name="Rectangle: Rounded Corners 5">
               <a:extLst>
                 <a:ext uri="{FF2B5EF4-FFF2-40B4-BE49-F238E27FC236}">
-                  <a16:creationId xmlns:a16="http://schemas.microsoft.com/office/drawing/2014/main" xmlns="" id="{807B5FA2-D06B-41FF-B759-BCF43E8A3D57}"/>
+                  <a16:creationId xmlns:a16="http://schemas.microsoft.com/office/drawing/2014/main" id="{807B5FA2-D06B-41FF-B759-BCF43E8A3D57}"/>
                 </a:ext>
               </a:extLst>
             </p:cNvPr>
@@ -3440,22 +3446,10 @@
               <a:pPr algn="ctr"/>
               <a:r>
                 <a:rPr kumimoji="1" lang="ja-JP" altLang="en-US" dirty="0"/>
-                <a:t>「実行」</a:t>
+                <a:t>「実行」「停止」「インポート」「エクスポート」</a:t>
               </a:r>
               <a:r>
-                <a:rPr kumimoji="1" lang="ja-JP" altLang="en-US" dirty="0" smtClean="0"/>
-                <a:t>「インポート」</a:t>
-              </a:r>
-              <a:r>
-                <a:rPr kumimoji="1" lang="ja-JP" altLang="en-US" dirty="0"/>
-                <a:t>「エクスポート</a:t>
-              </a:r>
-              <a:r>
-                <a:rPr kumimoji="1" lang="ja-JP" altLang="en-US" dirty="0" smtClean="0"/>
-                <a:t>」</a:t>
-              </a:r>
-              <a:r>
-                <a:rPr lang="ja-JP" altLang="en-US" dirty="0" smtClean="0"/>
+                <a:rPr lang="ja-JP" altLang="en-US" dirty="0"/>
                 <a:t>「</a:t>
               </a:r>
               <a:r>
@@ -3470,7 +3464,7 @@
             <p:cNvPr id="3" name="Straight Connector 2">
               <a:extLst>
                 <a:ext uri="{FF2B5EF4-FFF2-40B4-BE49-F238E27FC236}">
-                  <a16:creationId xmlns:a16="http://schemas.microsoft.com/office/drawing/2014/main" xmlns="" id="{3E94517D-8388-4CBE-AFBE-12ED306022B9}"/>
+                  <a16:creationId xmlns:a16="http://schemas.microsoft.com/office/drawing/2014/main" id="{3E94517D-8388-4CBE-AFBE-12ED306022B9}"/>
                 </a:ext>
               </a:extLst>
             </p:cNvPr>
@@ -3484,7 +3478,7 @@
           <p:spPr>
             <a:xfrm>
               <a:off x="4624000" y="814388"/>
-              <a:ext cx="803133" cy="1034000"/>
+              <a:ext cx="692255" cy="407955"/>
             </a:xfrm>
             <a:prstGeom prst="line">
               <a:avLst/>
@@ -3511,7 +3505,7 @@
             <p:cNvPr id="7" name="Left Bracket 6">
               <a:extLst>
                 <a:ext uri="{FF2B5EF4-FFF2-40B4-BE49-F238E27FC236}">
-                  <a16:creationId xmlns:a16="http://schemas.microsoft.com/office/drawing/2014/main" xmlns="" id="{BD7C6A00-E7A5-4A21-ADAF-839363E0BD95}"/>
+                  <a16:creationId xmlns:a16="http://schemas.microsoft.com/office/drawing/2014/main" id="{BD7C6A00-E7A5-4A21-ADAF-839363E0BD95}"/>
                 </a:ext>
               </a:extLst>
             </p:cNvPr>
@@ -3520,187 +3514,8 @@
           </p:nvSpPr>
           <p:spPr>
             <a:xfrm rot="5400000">
-              <a:off x="5310921" y="1192252"/>
-              <a:ext cx="232423" cy="1544695"/>
-            </a:xfrm>
-            <a:prstGeom prst="leftBracket">
-              <a:avLst/>
-            </a:prstGeom>
-            <a:ln w="28575"/>
-          </p:spPr>
-          <p:style>
-            <a:lnRef idx="1">
-              <a:schemeClr val="accent2"/>
-            </a:lnRef>
-            <a:fillRef idx="0">
-              <a:schemeClr val="accent2"/>
-            </a:fillRef>
-            <a:effectRef idx="0">
-              <a:schemeClr val="accent2"/>
-            </a:effectRef>
-            <a:fontRef idx="minor">
-              <a:schemeClr val="tx1"/>
-            </a:fontRef>
-          </p:style>
-          <p:txBody>
-            <a:bodyPr rtlCol="0" anchor="ctr"/>
-            <a:lstStyle/>
-            <a:p>
-              <a:pPr algn="ctr"/>
-              <a:endParaRPr kumimoji="1" lang="ja-JP" altLang="en-US"/>
-            </a:p>
-          </p:txBody>
-        </p:sp>
-      </p:grpSp>
-      <p:grpSp>
-        <p:nvGrpSpPr>
-          <p:cNvPr id="11" name="Group 10">
-            <a:extLst>
-              <a:ext uri="{FF2B5EF4-FFF2-40B4-BE49-F238E27FC236}">
-                <a16:creationId xmlns:a16="http://schemas.microsoft.com/office/drawing/2014/main" xmlns="" id="{621ED8B3-11E9-4622-9657-C88A2871C5ED}"/>
-              </a:ext>
-            </a:extLst>
-          </p:cNvPr>
-          <p:cNvGrpSpPr/>
-          <p:nvPr/>
-        </p:nvGrpSpPr>
-        <p:grpSpPr>
-          <a:xfrm>
-            <a:off x="438345" y="1580348"/>
-            <a:ext cx="4232862" cy="1000919"/>
-            <a:chOff x="433845" y="-893770"/>
-            <a:chExt cx="4161853" cy="1000919"/>
-          </a:xfrm>
-        </p:grpSpPr>
-        <p:sp>
-          <p:nvSpPr>
-            <p:cNvPr id="12" name="Rectangle: Rounded Corners 11">
-              <a:extLst>
-                <a:ext uri="{FF2B5EF4-FFF2-40B4-BE49-F238E27FC236}">
-                  <a16:creationId xmlns:a16="http://schemas.microsoft.com/office/drawing/2014/main" xmlns="" id="{898D5868-DE11-4B5F-917B-AA3CE6CF71DC}"/>
-                </a:ext>
-              </a:extLst>
-            </p:cNvPr>
-            <p:cNvSpPr/>
-            <p:nvPr/>
-          </p:nvSpPr>
-          <p:spPr>
-            <a:xfrm>
-              <a:off x="433845" y="-893770"/>
-              <a:ext cx="2103152" cy="1000919"/>
-            </a:xfrm>
-            <a:prstGeom prst="roundRect">
-              <a:avLst/>
-            </a:prstGeom>
-            <a:ln w="28575"/>
-          </p:spPr>
-          <p:style>
-            <a:lnRef idx="2">
-              <a:schemeClr val="accent2"/>
-            </a:lnRef>
-            <a:fillRef idx="1">
-              <a:schemeClr val="lt1"/>
-            </a:fillRef>
-            <a:effectRef idx="0">
-              <a:schemeClr val="accent2"/>
-            </a:effectRef>
-            <a:fontRef idx="minor">
-              <a:schemeClr val="dk1"/>
-            </a:fontRef>
-          </p:style>
-          <p:txBody>
-            <a:bodyPr rtlCol="0" anchor="ctr"/>
-            <a:lstStyle/>
-            <a:p>
-              <a:pPr algn="ctr"/>
-              <a:r>
-                <a:rPr lang="ja-JP" altLang="en-US" dirty="0" smtClean="0"/>
-                <a:t>「ブロックタブ</a:t>
-              </a:r>
-              <a:r>
-                <a:rPr lang="ja-JP" altLang="en-US" dirty="0"/>
-                <a:t>」</a:t>
-              </a:r>
-              <a:r>
-                <a:rPr lang="en-US" altLang="ja-JP" dirty="0"/>
-                <a:t/>
-              </a:r>
-              <a:br>
-                <a:rPr lang="en-US" altLang="ja-JP" dirty="0"/>
-              </a:br>
-              <a:r>
-                <a:rPr lang="ja-JP" altLang="en-US" dirty="0"/>
-                <a:t>「</a:t>
-              </a:r>
-              <a:r>
-                <a:rPr lang="en-US" altLang="ja-JP" dirty="0"/>
-                <a:t>PEN</a:t>
-              </a:r>
-              <a:r>
-                <a:rPr lang="ja-JP" altLang="en-US" dirty="0"/>
-                <a:t>タブ」</a:t>
-              </a:r>
-              <a:endParaRPr kumimoji="1" lang="ja-JP" altLang="en-US" dirty="0"/>
-            </a:p>
-          </p:txBody>
-        </p:sp>
-        <p:cxnSp>
-          <p:nvCxnSpPr>
-            <p:cNvPr id="13" name="Straight Connector 12">
-              <a:extLst>
-                <a:ext uri="{FF2B5EF4-FFF2-40B4-BE49-F238E27FC236}">
-                  <a16:creationId xmlns:a16="http://schemas.microsoft.com/office/drawing/2014/main" xmlns="" id="{D07EA6A3-7891-4F0F-A531-3706875E55CC}"/>
-                </a:ext>
-              </a:extLst>
-            </p:cNvPr>
-            <p:cNvCxnSpPr>
-              <a:cxnSpLocks/>
-              <a:stCxn id="12" idx="3"/>
-              <a:endCxn id="14" idx="1"/>
-            </p:cNvCxnSpPr>
-            <p:nvPr/>
-          </p:nvCxnSpPr>
-          <p:spPr>
-            <a:xfrm flipV="1">
-              <a:off x="2536997" y="-625732"/>
-              <a:ext cx="1229431" cy="232422"/>
-            </a:xfrm>
-            <a:prstGeom prst="line">
-              <a:avLst/>
-            </a:prstGeom>
-            <a:ln w="19050"/>
-          </p:spPr>
-          <p:style>
-            <a:lnRef idx="1">
-              <a:schemeClr val="accent2"/>
-            </a:lnRef>
-            <a:fillRef idx="0">
-              <a:schemeClr val="accent2"/>
-            </a:fillRef>
-            <a:effectRef idx="0">
-              <a:schemeClr val="accent2"/>
-            </a:effectRef>
-            <a:fontRef idx="minor">
-              <a:schemeClr val="tx1"/>
-            </a:fontRef>
-          </p:style>
-        </p:cxnSp>
-        <p:sp>
-          <p:nvSpPr>
-            <p:cNvPr id="14" name="Left Bracket 13">
-              <a:extLst>
-                <a:ext uri="{FF2B5EF4-FFF2-40B4-BE49-F238E27FC236}">
-                  <a16:creationId xmlns:a16="http://schemas.microsoft.com/office/drawing/2014/main" xmlns="" id="{F6AF605F-AA6F-4624-BC85-CD755F96DDEF}"/>
-                </a:ext>
-              </a:extLst>
-            </p:cNvPr>
-            <p:cNvSpPr/>
-            <p:nvPr/>
-          </p:nvSpPr>
-          <p:spPr>
-            <a:xfrm rot="5400000">
-              <a:off x="3650217" y="-1338791"/>
-              <a:ext cx="232422" cy="1658540"/>
+              <a:off x="5200043" y="-37723"/>
+              <a:ext cx="232423" cy="2752555"/>
             </a:xfrm>
             <a:prstGeom prst="leftBracket">
               <a:avLst/>
@@ -3736,7 +3551,7 @@
           <p:cNvPr id="29" name="Group 28">
             <a:extLst>
               <a:ext uri="{FF2B5EF4-FFF2-40B4-BE49-F238E27FC236}">
-                <a16:creationId xmlns:a16="http://schemas.microsoft.com/office/drawing/2014/main" xmlns="" id="{856954CC-E610-44FB-AF39-3264877485D7}"/>
+                <a16:creationId xmlns:a16="http://schemas.microsoft.com/office/drawing/2014/main" id="{856954CC-E610-44FB-AF39-3264877485D7}"/>
               </a:ext>
             </a:extLst>
           </p:cNvPr>
@@ -3745,10 +3560,10 @@
         </p:nvGrpSpPr>
         <p:grpSpPr>
           <a:xfrm>
-            <a:off x="292135" y="2106604"/>
-            <a:ext cx="2911254" cy="2839748"/>
-            <a:chOff x="1597026" y="-2528648"/>
-            <a:chExt cx="2862416" cy="2839748"/>
+            <a:off x="53205" y="1326929"/>
+            <a:ext cx="2636333" cy="2523618"/>
+            <a:chOff x="1597026" y="-2537037"/>
+            <a:chExt cx="2592107" cy="2523618"/>
           </a:xfrm>
         </p:grpSpPr>
         <p:sp>
@@ -3756,7 +3571,7 @@
             <p:cNvPr id="30" name="Rectangle: Rounded Corners 29">
               <a:extLst>
                 <a:ext uri="{FF2B5EF4-FFF2-40B4-BE49-F238E27FC236}">
-                  <a16:creationId xmlns:a16="http://schemas.microsoft.com/office/drawing/2014/main" xmlns="" id="{4FB9F585-76A6-4737-BC31-B757C139150D}"/>
+                  <a16:creationId xmlns:a16="http://schemas.microsoft.com/office/drawing/2014/main" id="{4FB9F585-76A6-4737-BC31-B757C139150D}"/>
                 </a:ext>
               </a:extLst>
             </p:cNvPr>
@@ -3804,7 +3619,7 @@
             <p:cNvPr id="31" name="Straight Connector 30">
               <a:extLst>
                 <a:ext uri="{FF2B5EF4-FFF2-40B4-BE49-F238E27FC236}">
-                  <a16:creationId xmlns:a16="http://schemas.microsoft.com/office/drawing/2014/main" xmlns="" id="{C166B1AF-E829-4533-9B4A-86B0BA80B14F}"/>
+                  <a16:creationId xmlns:a16="http://schemas.microsoft.com/office/drawing/2014/main" id="{C166B1AF-E829-4533-9B4A-86B0BA80B14F}"/>
                 </a:ext>
               </a:extLst>
             </p:cNvPr>
@@ -3817,8 +3632,8 @@
           </p:nvCxnSpPr>
           <p:spPr>
             <a:xfrm flipV="1">
-              <a:off x="3554357" y="-1108774"/>
-              <a:ext cx="596033" cy="13276"/>
+              <a:off x="3554357" y="-1275228"/>
+              <a:ext cx="325724" cy="179730"/>
             </a:xfrm>
             <a:prstGeom prst="line">
               <a:avLst/>
@@ -3845,7 +3660,7 @@
             <p:cNvPr id="32" name="Left Bracket 31">
               <a:extLst>
                 <a:ext uri="{FF2B5EF4-FFF2-40B4-BE49-F238E27FC236}">
-                  <a16:creationId xmlns:a16="http://schemas.microsoft.com/office/drawing/2014/main" xmlns="" id="{2268F465-D583-4D1A-9343-EA31C7985E61}"/>
+                  <a16:creationId xmlns:a16="http://schemas.microsoft.com/office/drawing/2014/main" id="{2268F465-D583-4D1A-9343-EA31C7985E61}"/>
                 </a:ext>
               </a:extLst>
             </p:cNvPr>
@@ -3854,8 +3669,8 @@
           </p:nvSpPr>
           <p:spPr>
             <a:xfrm>
-              <a:off x="4150390" y="-2528648"/>
-              <a:ext cx="309052" cy="2839748"/>
+              <a:off x="3880081" y="-2537037"/>
+              <a:ext cx="309052" cy="2523618"/>
             </a:xfrm>
             <a:prstGeom prst="leftBracket">
               <a:avLst/>
@@ -3891,7 +3706,7 @@
           <p:cNvPr id="84" name="Group 83">
             <a:extLst>
               <a:ext uri="{FF2B5EF4-FFF2-40B4-BE49-F238E27FC236}">
-                <a16:creationId xmlns:a16="http://schemas.microsoft.com/office/drawing/2014/main" xmlns="" id="{E586A2B3-2731-4FC5-8BDA-911021006210}"/>
+                <a16:creationId xmlns:a16="http://schemas.microsoft.com/office/drawing/2014/main" id="{E586A2B3-2731-4FC5-8BDA-911021006210}"/>
               </a:ext>
             </a:extLst>
           </p:cNvPr>
@@ -3900,10 +3715,10 @@
         </p:nvGrpSpPr>
         <p:grpSpPr>
           <a:xfrm>
-            <a:off x="667508" y="3765550"/>
-            <a:ext cx="4483055" cy="2456952"/>
-            <a:chOff x="667508" y="3765550"/>
-            <a:chExt cx="4483055" cy="2456952"/>
+            <a:off x="513469" y="3939332"/>
+            <a:ext cx="4061605" cy="2405358"/>
+            <a:chOff x="667508" y="3817144"/>
+            <a:chExt cx="4061605" cy="2405358"/>
           </a:xfrm>
         </p:grpSpPr>
         <p:grpSp>
@@ -3911,7 +3726,7 @@
             <p:cNvPr id="48" name="Group 47">
               <a:extLst>
                 <a:ext uri="{FF2B5EF4-FFF2-40B4-BE49-F238E27FC236}">
-                  <a16:creationId xmlns:a16="http://schemas.microsoft.com/office/drawing/2014/main" xmlns="" id="{A75E2237-A6FC-4DE5-A90F-D55C7C680392}"/>
+                  <a16:creationId xmlns:a16="http://schemas.microsoft.com/office/drawing/2014/main" id="{A75E2237-A6FC-4DE5-A90F-D55C7C680392}"/>
                 </a:ext>
               </a:extLst>
             </p:cNvPr>
@@ -3920,10 +3735,10 @@
           </p:nvGrpSpPr>
           <p:grpSpPr>
             <a:xfrm>
-              <a:off x="667508" y="3817144"/>
-              <a:ext cx="4431462" cy="2405358"/>
-              <a:chOff x="1597026" y="-3000397"/>
-              <a:chExt cx="4357121" cy="2405358"/>
+              <a:off x="667508" y="3868738"/>
+              <a:ext cx="4010012" cy="2353764"/>
+              <a:chOff x="1597026" y="-2948803"/>
+              <a:chExt cx="3942741" cy="2353764"/>
             </a:xfrm>
           </p:grpSpPr>
           <p:sp>
@@ -3931,7 +3746,7 @@
               <p:cNvPr id="49" name="Rectangle: Rounded Corners 48">
                 <a:extLst>
                   <a:ext uri="{FF2B5EF4-FFF2-40B4-BE49-F238E27FC236}">
-                    <a16:creationId xmlns:a16="http://schemas.microsoft.com/office/drawing/2014/main" xmlns="" id="{723C635F-2E1C-4ADD-B08E-F7C7727E3AAE}"/>
+                    <a16:creationId xmlns:a16="http://schemas.microsoft.com/office/drawing/2014/main" id="{723C635F-2E1C-4ADD-B08E-F7C7727E3AAE}"/>
                   </a:ext>
                 </a:extLst>
               </p:cNvPr>
@@ -3979,7 +3794,7 @@
               <p:cNvPr id="50" name="Straight Connector 49">
                 <a:extLst>
                   <a:ext uri="{FF2B5EF4-FFF2-40B4-BE49-F238E27FC236}">
-                    <a16:creationId xmlns:a16="http://schemas.microsoft.com/office/drawing/2014/main" xmlns="" id="{4696BEF4-73E0-49A8-B6FF-A9313B620983}"/>
+                    <a16:creationId xmlns:a16="http://schemas.microsoft.com/office/drawing/2014/main" id="{4696BEF4-73E0-49A8-B6FF-A9313B620983}"/>
                   </a:ext>
                 </a:extLst>
               </p:cNvPr>
@@ -3992,8 +3807,8 @@
             </p:nvCxnSpPr>
             <p:spPr>
               <a:xfrm flipV="1">
-                <a:off x="2575692" y="-3000397"/>
-                <a:ext cx="3378455" cy="1404439"/>
+                <a:off x="2575692" y="-2948803"/>
+                <a:ext cx="2964075" cy="1352845"/>
               </a:xfrm>
               <a:prstGeom prst="line">
                 <a:avLst/>
@@ -4021,7 +3836,7 @@
             <p:cNvPr id="62" name="Arc 61">
               <a:extLst>
                 <a:ext uri="{FF2B5EF4-FFF2-40B4-BE49-F238E27FC236}">
-                  <a16:creationId xmlns:a16="http://schemas.microsoft.com/office/drawing/2014/main" xmlns="" id="{2AF7D095-C82C-4A32-B99A-C7C59E8EDC66}"/>
+                  <a16:creationId xmlns:a16="http://schemas.microsoft.com/office/drawing/2014/main" id="{2AF7D095-C82C-4A32-B99A-C7C59E8EDC66}"/>
                 </a:ext>
               </a:extLst>
             </p:cNvPr>
@@ -4030,7 +3845,7 @@
           </p:nvSpPr>
           <p:spPr>
             <a:xfrm>
-              <a:off x="5047376" y="3765550"/>
+              <a:off x="4625926" y="3817144"/>
               <a:ext cx="103187" cy="103187"/>
             </a:xfrm>
             <a:prstGeom prst="arc">
@@ -4077,7 +3892,7 @@
           <p:cNvPr id="74" name="Group 73">
             <a:extLst>
               <a:ext uri="{FF2B5EF4-FFF2-40B4-BE49-F238E27FC236}">
-                <a16:creationId xmlns:a16="http://schemas.microsoft.com/office/drawing/2014/main" xmlns="" id="{D2651DDA-9FFA-4E7F-8EEA-DB76264BE2D1}"/>
+                <a16:creationId xmlns:a16="http://schemas.microsoft.com/office/drawing/2014/main" id="{D2651DDA-9FFA-4E7F-8EEA-DB76264BE2D1}"/>
               </a:ext>
             </a:extLst>
           </p:cNvPr>
@@ -4086,10 +3901,10 @@
         </p:nvGrpSpPr>
         <p:grpSpPr>
           <a:xfrm>
-            <a:off x="3917080" y="3970163"/>
-            <a:ext cx="2334416" cy="2790454"/>
-            <a:chOff x="1597026" y="-3385493"/>
-            <a:chExt cx="2295255" cy="2790454"/>
+            <a:off x="3827787" y="3363985"/>
+            <a:ext cx="2180806" cy="3373968"/>
+            <a:chOff x="1748059" y="-3847864"/>
+            <a:chExt cx="2144222" cy="3373968"/>
           </a:xfrm>
         </p:grpSpPr>
         <p:sp>
@@ -4097,7 +3912,7 @@
             <p:cNvPr id="75" name="Rectangle: Rounded Corners 74">
               <a:extLst>
                 <a:ext uri="{FF2B5EF4-FFF2-40B4-BE49-F238E27FC236}">
-                  <a16:creationId xmlns:a16="http://schemas.microsoft.com/office/drawing/2014/main" xmlns="" id="{58A1D772-855C-43DE-B756-DA6F1D09D669}"/>
+                  <a16:creationId xmlns:a16="http://schemas.microsoft.com/office/drawing/2014/main" id="{58A1D772-855C-43DE-B756-DA6F1D09D669}"/>
                 </a:ext>
               </a:extLst>
             </p:cNvPr>
@@ -4106,7 +3921,7 @@
           </p:nvSpPr>
           <p:spPr>
             <a:xfrm>
-              <a:off x="1597026" y="-1595958"/>
+              <a:off x="1748059" y="-1474815"/>
               <a:ext cx="1957331" cy="1000919"/>
             </a:xfrm>
             <a:prstGeom prst="roundRect">
@@ -4145,7 +3960,7 @@
             <p:cNvPr id="76" name="Straight Connector 75">
               <a:extLst>
                 <a:ext uri="{FF2B5EF4-FFF2-40B4-BE49-F238E27FC236}">
-                  <a16:creationId xmlns:a16="http://schemas.microsoft.com/office/drawing/2014/main" xmlns="" id="{69FEC10F-7DED-4506-9EEE-C7B757A4002C}"/>
+                  <a16:creationId xmlns:a16="http://schemas.microsoft.com/office/drawing/2014/main" id="{69FEC10F-7DED-4506-9EEE-C7B757A4002C}"/>
                 </a:ext>
               </a:extLst>
             </p:cNvPr>
@@ -4158,8 +3973,8 @@
           </p:nvCxnSpPr>
           <p:spPr>
             <a:xfrm flipV="1">
-              <a:off x="2575691" y="-2654929"/>
-              <a:ext cx="1007538" cy="1058971"/>
+              <a:off x="2726724" y="-2886114"/>
+              <a:ext cx="856505" cy="1411299"/>
             </a:xfrm>
             <a:prstGeom prst="line">
               <a:avLst/>
@@ -4186,7 +4001,7 @@
             <p:cNvPr id="77" name="Left Bracket 76">
               <a:extLst>
                 <a:ext uri="{FF2B5EF4-FFF2-40B4-BE49-F238E27FC236}">
-                  <a16:creationId xmlns:a16="http://schemas.microsoft.com/office/drawing/2014/main" xmlns="" id="{3F63B2C1-2367-47BF-9885-4BFD40AFD316}"/>
+                  <a16:creationId xmlns:a16="http://schemas.microsoft.com/office/drawing/2014/main" id="{3F63B2C1-2367-47BF-9885-4BFD40AFD316}"/>
                 </a:ext>
               </a:extLst>
             </p:cNvPr>
@@ -4195,8 +4010,8 @@
           </p:nvSpPr>
           <p:spPr>
             <a:xfrm>
-              <a:off x="3583229" y="-3385493"/>
-              <a:ext cx="309052" cy="1461128"/>
+              <a:off x="3583229" y="-3847864"/>
+              <a:ext cx="309052" cy="1923499"/>
             </a:xfrm>
             <a:prstGeom prst="leftBracket">
               <a:avLst/>
@@ -4232,7 +4047,7 @@
           <p:cNvPr id="85" name="Group 84">
             <a:extLst>
               <a:ext uri="{FF2B5EF4-FFF2-40B4-BE49-F238E27FC236}">
-                <a16:creationId xmlns:a16="http://schemas.microsoft.com/office/drawing/2014/main" xmlns="" id="{78DDA269-4553-4ADB-A5F7-6E13899882CA}"/>
+                <a16:creationId xmlns:a16="http://schemas.microsoft.com/office/drawing/2014/main" id="{78DDA269-4553-4ADB-A5F7-6E13899882CA}"/>
               </a:ext>
             </a:extLst>
           </p:cNvPr>
@@ -4241,10 +4056,10 @@
         </p:nvGrpSpPr>
         <p:grpSpPr>
           <a:xfrm>
-            <a:off x="7555168" y="4195134"/>
-            <a:ext cx="2729236" cy="2565483"/>
-            <a:chOff x="1497282" y="3967577"/>
-            <a:chExt cx="2729236" cy="2565483"/>
+            <a:off x="8130753" y="4465960"/>
+            <a:ext cx="3230117" cy="2263852"/>
+            <a:chOff x="575553" y="4616394"/>
+            <a:chExt cx="3230117" cy="2263852"/>
           </a:xfrm>
         </p:grpSpPr>
         <p:grpSp>
@@ -4252,7 +4067,7 @@
             <p:cNvPr id="86" name="Group 85">
               <a:extLst>
                 <a:ext uri="{FF2B5EF4-FFF2-40B4-BE49-F238E27FC236}">
-                  <a16:creationId xmlns:a16="http://schemas.microsoft.com/office/drawing/2014/main" xmlns="" id="{98170B17-CA31-41C2-8F27-09787CF97DB0}"/>
+                  <a16:creationId xmlns:a16="http://schemas.microsoft.com/office/drawing/2014/main" id="{98170B17-CA31-41C2-8F27-09787CF97DB0}"/>
                 </a:ext>
               </a:extLst>
             </p:cNvPr>
@@ -4261,10 +4076,10 @@
           </p:nvGrpSpPr>
           <p:grpSpPr>
             <a:xfrm>
-              <a:off x="1548876" y="4019171"/>
-              <a:ext cx="2677642" cy="2513889"/>
-              <a:chOff x="2463608" y="-2798370"/>
-              <a:chExt cx="2632723" cy="2513889"/>
+              <a:off x="627147" y="4667988"/>
+              <a:ext cx="3178523" cy="2212258"/>
+              <a:chOff x="1557341" y="-2149553"/>
+              <a:chExt cx="3125201" cy="2212258"/>
             </a:xfrm>
           </p:grpSpPr>
           <p:sp>
@@ -4272,7 +4087,7 @@
               <p:cNvPr id="88" name="Rectangle: Rounded Corners 87">
                 <a:extLst>
                   <a:ext uri="{FF2B5EF4-FFF2-40B4-BE49-F238E27FC236}">
-                    <a16:creationId xmlns:a16="http://schemas.microsoft.com/office/drawing/2014/main" xmlns="" id="{CD9BCF49-E9AF-4961-B710-4671233D392D}"/>
+                    <a16:creationId xmlns:a16="http://schemas.microsoft.com/office/drawing/2014/main" id="{CD9BCF49-E9AF-4961-B710-4671233D392D}"/>
                   </a:ext>
                 </a:extLst>
               </p:cNvPr>
@@ -4281,7 +4096,7 @@
             </p:nvSpPr>
             <p:spPr>
               <a:xfrm>
-                <a:off x="3139000" y="-1285400"/>
+                <a:off x="2725211" y="-938214"/>
                 <a:ext cx="1957331" cy="1000919"/>
               </a:xfrm>
               <a:prstGeom prst="roundRect">
@@ -4309,8 +4124,12 @@
               <a:p>
                 <a:pPr algn="ctr"/>
                 <a:r>
+                  <a:rPr lang="en-US" altLang="ja-JP" dirty="0"/>
+                  <a:t>DNCL</a:t>
+                </a:r>
+                <a:r>
                   <a:rPr lang="ja-JP" altLang="en-US" dirty="0"/>
-                  <a:t>実行結果</a:t>
+                  <a:t>コード</a:t>
                 </a:r>
                 <a:endParaRPr kumimoji="1" lang="ja-JP" altLang="en-US" dirty="0"/>
               </a:p>
@@ -4321,7 +4140,7 @@
               <p:cNvPr id="89" name="Straight Connector 88">
                 <a:extLst>
                   <a:ext uri="{FF2B5EF4-FFF2-40B4-BE49-F238E27FC236}">
-                    <a16:creationId xmlns:a16="http://schemas.microsoft.com/office/drawing/2014/main" xmlns="" id="{29D6749C-521F-45A9-A3E2-D35E8DDB7367}"/>
+                    <a16:creationId xmlns:a16="http://schemas.microsoft.com/office/drawing/2014/main" id="{29D6749C-521F-45A9-A3E2-D35E8DDB7367}"/>
                   </a:ext>
                 </a:extLst>
               </p:cNvPr>
@@ -4334,8 +4153,8 @@
             </p:nvCxnSpPr>
             <p:spPr>
               <a:xfrm flipH="1" flipV="1">
-                <a:off x="2463608" y="-2798370"/>
-                <a:ext cx="1654058" cy="1512970"/>
+                <a:off x="1557341" y="-2149553"/>
+                <a:ext cx="2146536" cy="1211339"/>
               </a:xfrm>
               <a:prstGeom prst="line">
                 <a:avLst/>
@@ -4363,7 +4182,7 @@
             <p:cNvPr id="87" name="Arc 86">
               <a:extLst>
                 <a:ext uri="{FF2B5EF4-FFF2-40B4-BE49-F238E27FC236}">
-                  <a16:creationId xmlns:a16="http://schemas.microsoft.com/office/drawing/2014/main" xmlns="" id="{00A54192-FEDB-49F8-B516-E0D5854494A0}"/>
+                  <a16:creationId xmlns:a16="http://schemas.microsoft.com/office/drawing/2014/main" id="{00A54192-FEDB-49F8-B516-E0D5854494A0}"/>
                 </a:ext>
               </a:extLst>
             </p:cNvPr>
@@ -4372,7 +4191,7 @@
           </p:nvSpPr>
           <p:spPr>
             <a:xfrm>
-              <a:off x="1497282" y="3967577"/>
+              <a:off x="575553" y="4616394"/>
               <a:ext cx="103187" cy="103187"/>
             </a:xfrm>
             <a:prstGeom prst="arc">
@@ -4419,7 +4238,7 @@
           <p:cNvPr id="92" name="Group 91">
             <a:extLst>
               <a:ext uri="{FF2B5EF4-FFF2-40B4-BE49-F238E27FC236}">
-                <a16:creationId xmlns:a16="http://schemas.microsoft.com/office/drawing/2014/main" xmlns="" id="{D435A759-37C6-473B-9E70-A3D198C61721}"/>
+                <a16:creationId xmlns:a16="http://schemas.microsoft.com/office/drawing/2014/main" id="{D435A759-37C6-473B-9E70-A3D198C61721}"/>
               </a:ext>
             </a:extLst>
           </p:cNvPr>
@@ -4428,10 +4247,10 @@
         </p:nvGrpSpPr>
         <p:grpSpPr>
           <a:xfrm>
-            <a:off x="8615831" y="1174023"/>
-            <a:ext cx="2922569" cy="1000919"/>
-            <a:chOff x="2253680" y="4663597"/>
-            <a:chExt cx="2922569" cy="1000919"/>
+            <a:off x="9185853" y="511014"/>
+            <a:ext cx="2617863" cy="1000919"/>
+            <a:chOff x="2823702" y="4000588"/>
+            <a:chExt cx="2617863" cy="1000919"/>
           </a:xfrm>
         </p:grpSpPr>
         <p:grpSp>
@@ -4439,7 +4258,7 @@
             <p:cNvPr id="93" name="Group 92">
               <a:extLst>
                 <a:ext uri="{FF2B5EF4-FFF2-40B4-BE49-F238E27FC236}">
-                  <a16:creationId xmlns:a16="http://schemas.microsoft.com/office/drawing/2014/main" xmlns="" id="{DB55932F-AC3D-4407-9A11-5B4F2AF3A8AB}"/>
+                  <a16:creationId xmlns:a16="http://schemas.microsoft.com/office/drawing/2014/main" id="{DB55932F-AC3D-4407-9A11-5B4F2AF3A8AB}"/>
                 </a:ext>
               </a:extLst>
             </p:cNvPr>
@@ -4448,10 +4267,10 @@
           </p:nvGrpSpPr>
           <p:grpSpPr>
             <a:xfrm>
-              <a:off x="2305274" y="4663597"/>
-              <a:ext cx="2870975" cy="1000919"/>
-              <a:chOff x="3207318" y="-2153944"/>
-              <a:chExt cx="2822812" cy="1000919"/>
+              <a:off x="2875296" y="4000588"/>
+              <a:ext cx="2566269" cy="1000919"/>
+              <a:chOff x="3767778" y="-2816953"/>
+              <a:chExt cx="2523218" cy="1000919"/>
             </a:xfrm>
           </p:grpSpPr>
           <p:sp>
@@ -4459,7 +4278,7 @@
               <p:cNvPr id="95" name="Rectangle: Rounded Corners 94">
                 <a:extLst>
                   <a:ext uri="{FF2B5EF4-FFF2-40B4-BE49-F238E27FC236}">
-                    <a16:creationId xmlns:a16="http://schemas.microsoft.com/office/drawing/2014/main" xmlns="" id="{A9DFD0C8-65FB-4636-BEB4-3EB42B236CAC}"/>
+                    <a16:creationId xmlns:a16="http://schemas.microsoft.com/office/drawing/2014/main" id="{A9DFD0C8-65FB-4636-BEB4-3EB42B236CAC}"/>
                   </a:ext>
                 </a:extLst>
               </p:cNvPr>
@@ -4468,7 +4287,7 @@
             </p:nvSpPr>
             <p:spPr>
               <a:xfrm>
-                <a:off x="4072799" y="-2153944"/>
+                <a:off x="4333665" y="-2816953"/>
                 <a:ext cx="1957331" cy="1000919"/>
               </a:xfrm>
               <a:prstGeom prst="roundRect">
@@ -4496,10 +4315,9 @@
               <a:p>
                 <a:pPr algn="ctr"/>
                 <a:r>
-                  <a:rPr kumimoji="1" lang="ja-JP" altLang="en-US" dirty="0" smtClean="0"/>
+                  <a:rPr kumimoji="1" lang="ja-JP" altLang="en-US" dirty="0"/>
                   <a:t>設定</a:t>
                 </a:r>
-                <a:endParaRPr kumimoji="1" lang="ja-JP" altLang="en-US" dirty="0"/>
               </a:p>
             </p:txBody>
           </p:sp>
@@ -4508,7 +4326,7 @@
               <p:cNvPr id="96" name="Straight Connector 95">
                 <a:extLst>
                   <a:ext uri="{FF2B5EF4-FFF2-40B4-BE49-F238E27FC236}">
-                    <a16:creationId xmlns:a16="http://schemas.microsoft.com/office/drawing/2014/main" xmlns="" id="{9900560F-47B0-4B3E-A37E-989073697E5E}"/>
+                    <a16:creationId xmlns:a16="http://schemas.microsoft.com/office/drawing/2014/main" id="{9900560F-47B0-4B3E-A37E-989073697E5E}"/>
                   </a:ext>
                 </a:extLst>
               </p:cNvPr>
@@ -4521,8 +4339,8 @@
             </p:nvCxnSpPr>
             <p:spPr>
               <a:xfrm flipH="1">
-                <a:off x="3207318" y="-1653484"/>
-                <a:ext cx="865481" cy="39726"/>
+                <a:off x="3767778" y="-2316493"/>
+                <a:ext cx="565887" cy="230904"/>
               </a:xfrm>
               <a:prstGeom prst="line">
                 <a:avLst/>
@@ -4550,7 +4368,7 @@
             <p:cNvPr id="94" name="Arc 93">
               <a:extLst>
                 <a:ext uri="{FF2B5EF4-FFF2-40B4-BE49-F238E27FC236}">
-                  <a16:creationId xmlns:a16="http://schemas.microsoft.com/office/drawing/2014/main" xmlns="" id="{F095A548-7AFE-4F23-83FC-6BBDAB90B685}"/>
+                  <a16:creationId xmlns:a16="http://schemas.microsoft.com/office/drawing/2014/main" id="{F095A548-7AFE-4F23-83FC-6BBDAB90B685}"/>
                 </a:ext>
               </a:extLst>
             </p:cNvPr>
@@ -4559,7 +4377,7 @@
           </p:nvSpPr>
           <p:spPr>
             <a:xfrm>
-              <a:off x="2253680" y="5152189"/>
+              <a:off x="2823702" y="4680358"/>
               <a:ext cx="103187" cy="103187"/>
             </a:xfrm>
             <a:prstGeom prst="arc">
@@ -4606,7 +4424,7 @@
           <p:cNvPr id="60" name="Group 91">
             <a:extLst>
               <a:ext uri="{FF2B5EF4-FFF2-40B4-BE49-F238E27FC236}">
-                <a16:creationId xmlns:a16="http://schemas.microsoft.com/office/drawing/2014/main" xmlns="" id="{D435A759-37C6-473B-9E70-A3D198C61721}"/>
+                <a16:creationId xmlns:a16="http://schemas.microsoft.com/office/drawing/2014/main" id="{D435A759-37C6-473B-9E70-A3D198C61721}"/>
               </a:ext>
             </a:extLst>
           </p:cNvPr>
@@ -4615,10 +4433,10 @@
         </p:nvGrpSpPr>
         <p:grpSpPr>
           <a:xfrm>
-            <a:off x="7456178" y="2116997"/>
-            <a:ext cx="4258439" cy="2136082"/>
-            <a:chOff x="1119375" y="4657246"/>
-            <a:chExt cx="4258439" cy="2136082"/>
+            <a:off x="7605930" y="2291395"/>
+            <a:ext cx="4258439" cy="1330739"/>
+            <a:chOff x="1119375" y="5462589"/>
+            <a:chExt cx="4258439" cy="1330739"/>
           </a:xfrm>
         </p:grpSpPr>
         <p:grpSp>
@@ -4626,7 +4444,7 @@
             <p:cNvPr id="61" name="Group 92">
               <a:extLst>
                 <a:ext uri="{FF2B5EF4-FFF2-40B4-BE49-F238E27FC236}">
-                  <a16:creationId xmlns:a16="http://schemas.microsoft.com/office/drawing/2014/main" xmlns="" id="{DB55932F-AC3D-4407-9A11-5B4F2AF3A8AB}"/>
+                  <a16:creationId xmlns:a16="http://schemas.microsoft.com/office/drawing/2014/main" id="{DB55932F-AC3D-4407-9A11-5B4F2AF3A8AB}"/>
                 </a:ext>
               </a:extLst>
             </p:cNvPr>
@@ -4635,10 +4453,10 @@
           </p:nvGrpSpPr>
           <p:grpSpPr>
             <a:xfrm>
-              <a:off x="1170969" y="4708840"/>
-              <a:ext cx="4206845" cy="2084488"/>
-              <a:chOff x="2092042" y="-2108701"/>
-              <a:chExt cx="4136272" cy="2084488"/>
+              <a:off x="1170969" y="5514183"/>
+              <a:ext cx="4206845" cy="1279145"/>
+              <a:chOff x="2092042" y="-1303358"/>
+              <a:chExt cx="4136272" cy="1279145"/>
             </a:xfrm>
           </p:grpSpPr>
           <p:sp>
@@ -4646,7 +4464,7 @@
               <p:cNvPr id="64" name="Rectangle: Rounded Corners 94">
                 <a:extLst>
                   <a:ext uri="{FF2B5EF4-FFF2-40B4-BE49-F238E27FC236}">
-                    <a16:creationId xmlns:a16="http://schemas.microsoft.com/office/drawing/2014/main" xmlns="" id="{A9DFD0C8-65FB-4636-BEB4-3EB42B236CAC}"/>
+                    <a16:creationId xmlns:a16="http://schemas.microsoft.com/office/drawing/2014/main" id="{A9DFD0C8-65FB-4636-BEB4-3EB42B236CAC}"/>
                   </a:ext>
                 </a:extLst>
               </p:cNvPr>
@@ -4684,7 +4502,7 @@
                 <a:pPr algn="ctr"/>
                 <a:r>
                   <a:rPr lang="ja-JP" altLang="en-US" dirty="0"/>
-                  <a:t>実行結果クリア</a:t>
+                  <a:t>実行結果</a:t>
                 </a:r>
                 <a:endParaRPr kumimoji="1" lang="ja-JP" altLang="en-US" dirty="0"/>
               </a:p>
@@ -4695,7 +4513,7 @@
               <p:cNvPr id="65" name="Straight Connector 95">
                 <a:extLst>
                   <a:ext uri="{FF2B5EF4-FFF2-40B4-BE49-F238E27FC236}">
-                    <a16:creationId xmlns:a16="http://schemas.microsoft.com/office/drawing/2014/main" xmlns="" id="{9900560F-47B0-4B3E-A37E-989073697E5E}"/>
+                    <a16:creationId xmlns:a16="http://schemas.microsoft.com/office/drawing/2014/main" id="{9900560F-47B0-4B3E-A37E-989073697E5E}"/>
                   </a:ext>
                 </a:extLst>
               </p:cNvPr>
@@ -4708,8 +4526,8 @@
             </p:nvCxnSpPr>
             <p:spPr>
               <a:xfrm flipH="1" flipV="1">
-                <a:off x="2092042" y="-2108701"/>
-                <a:ext cx="2178941" cy="1584029"/>
+                <a:off x="2092042" y="-1303358"/>
+                <a:ext cx="2178941" cy="778686"/>
               </a:xfrm>
               <a:prstGeom prst="line">
                 <a:avLst/>
@@ -4737,7 +4555,7 @@
             <p:cNvPr id="63" name="Arc 93">
               <a:extLst>
                 <a:ext uri="{FF2B5EF4-FFF2-40B4-BE49-F238E27FC236}">
-                  <a16:creationId xmlns:a16="http://schemas.microsoft.com/office/drawing/2014/main" xmlns="" id="{F095A548-7AFE-4F23-83FC-6BBDAB90B685}"/>
+                  <a16:creationId xmlns:a16="http://schemas.microsoft.com/office/drawing/2014/main" id="{F095A548-7AFE-4F23-83FC-6BBDAB90B685}"/>
                 </a:ext>
               </a:extLst>
             </p:cNvPr>
@@ -4746,7 +4564,7 @@
           </p:nvSpPr>
           <p:spPr>
             <a:xfrm>
-              <a:off x="1119375" y="4657246"/>
+              <a:off x="1119375" y="5462589"/>
               <a:ext cx="103187" cy="103187"/>
             </a:xfrm>
             <a:prstGeom prst="arc">
@@ -4806,7 +4624,7 @@
   <a:themeElements>
     <a:clrScheme name="Office">
       <a:dk1>
-        <a:sysClr val="windowText" lastClr="565656"/>
+        <a:sysClr val="windowText" lastClr="000000"/>
       </a:dk1>
       <a:lt1>
         <a:sysClr val="window" lastClr="FFFFFF"/>
